--- a/US Vaccine Tracker.pptx
+++ b/US Vaccine Tracker.pptx
@@ -4608,51 +4608,89 @@
         </p:nvSpPr>
         <p:spPr>
           <a:xfrm>
-            <a:off x="1097280" y="385078"/>
-            <a:ext cx="10058400" cy="1207660"/>
-          </a:xfrm>
-        </p:spPr>
-        <p:txBody>
-          <a:bodyPr>
+            <a:off x="643466" y="786383"/>
+            <a:ext cx="3517567" cy="2093975"/>
+          </a:xfrm>
+        </p:spPr>
+        <p:txBody>
+          <a:bodyPr anchor="b">
             <a:normAutofit/>
           </a:bodyPr>
           <a:lstStyle/>
           <a:p>
             <a:pPr algn="ctr"/>
             <a:r>
-              <a:rPr lang="en-US" sz="4000" dirty="0">
-                <a:solidFill>
-                  <a:srgbClr val="1D1C1D"/>
-                </a:solidFill>
-              </a:rPr>
+              <a:rPr lang="en-US" sz="2800" dirty="0"/>
               <a:t>1. How many vaccine doses were administered per region?</a:t>
             </a:r>
-            <a:endParaRPr lang="en-US" sz="4000" dirty="0"/>
-          </a:p>
-        </p:txBody>
-      </p:sp>
-      <p:sp>
-        <p:nvSpPr>
-          <p:cNvPr id="3" name="Content Placeholder 2">
-            <a:extLst>
-              <a:ext uri="{FF2B5EF4-FFF2-40B4-BE49-F238E27FC236}">
-                <a16:creationId xmlns:a16="http://schemas.microsoft.com/office/drawing/2014/main" id="{0248C0AB-C831-4928-BA8E-4F166E178028}"/>
-              </a:ext>
-            </a:extLst>
-          </p:cNvPr>
-          <p:cNvSpPr>
-            <a:spLocks noGrp="1"/>
-          </p:cNvSpPr>
-          <p:nvPr>
-            <p:ph idx="1"/>
-          </p:nvPr>
-        </p:nvSpPr>
-        <p:spPr/>
+          </a:p>
+        </p:txBody>
+      </p:sp>
+      <p:pic>
+        <p:nvPicPr>
+          <p:cNvPr id="4" name="Picture 3" descr="Graphical user interface, application&#10;&#10;Description automatically generated">
+            <a:extLst>
+              <a:ext uri="{FF2B5EF4-FFF2-40B4-BE49-F238E27FC236}">
+                <a16:creationId xmlns:a16="http://schemas.microsoft.com/office/drawing/2014/main" id="{1C4F2036-77B6-492C-BCB5-63ADEB0AD47B}"/>
+              </a:ext>
+            </a:extLst>
+          </p:cNvPr>
+          <p:cNvPicPr>
+            <a:picLocks noChangeAspect="1"/>
+          </p:cNvPicPr>
+          <p:nvPr/>
+        </p:nvPicPr>
+        <p:blipFill rotWithShape="1">
+          <a:blip r:embed="rId2"/>
+          <a:srcRect l="12019" t="29362" r="59135" b="28449"/>
+          <a:stretch/>
+        </p:blipFill>
+        <p:spPr bwMode="auto">
+          <a:xfrm>
+            <a:off x="5458984" y="1021584"/>
+            <a:ext cx="5928344" cy="4877187"/>
+          </a:xfrm>
+          <a:prstGeom prst="rect">
+            <a:avLst/>
+          </a:prstGeom>
+          <a:noFill/>
+          <a:ln>
+            <a:noFill/>
+          </a:ln>
+          <a:extLst>
+            <a:ext uri="{53640926-AAD7-44D8-BBD7-CCE9431645EC}">
+              <a14:shadowObscured xmlns:a14="http://schemas.microsoft.com/office/drawing/2010/main"/>
+            </a:ext>
+          </a:extLst>
+        </p:spPr>
+      </p:pic>
+      <p:sp>
+        <p:nvSpPr>
+          <p:cNvPr id="9" name="Text Placeholder 3">
+            <a:extLst>
+              <a:ext uri="{FF2B5EF4-FFF2-40B4-BE49-F238E27FC236}">
+                <a16:creationId xmlns:a16="http://schemas.microsoft.com/office/drawing/2014/main" id="{02D8D83A-7499-4F17-9B4D-FDDF5AD5565E}"/>
+              </a:ext>
+            </a:extLst>
+          </p:cNvPr>
+          <p:cNvSpPr>
+            <a:spLocks noGrp="1"/>
+          </p:cNvSpPr>
+          <p:nvPr>
+            <p:ph type="body" sz="half" idx="2"/>
+          </p:nvPr>
+        </p:nvSpPr>
+        <p:spPr>
+          <a:xfrm>
+            <a:off x="643465" y="3043050"/>
+            <a:ext cx="3517567" cy="3064505"/>
+          </a:xfrm>
+        </p:spPr>
         <p:txBody>
           <a:bodyPr/>
           <a:lstStyle/>
           <a:p>
-            <a:endParaRPr lang="en-US"/>
+            <a:endParaRPr lang="en-US" dirty="0"/>
           </a:p>
         </p:txBody>
       </p:sp>
@@ -4742,7 +4780,12 @@
             <p:ph idx="1"/>
           </p:nvPr>
         </p:nvSpPr>
-        <p:spPr/>
+        <p:spPr>
+          <a:xfrm>
+            <a:off x="1097280" y="2108202"/>
+            <a:ext cx="10058400" cy="508390"/>
+          </a:xfrm>
+        </p:spPr>
         <p:txBody>
           <a:bodyPr/>
           <a:lstStyle/>
@@ -4751,6 +4794,80 @@
           </a:p>
         </p:txBody>
       </p:sp>
+      <p:pic>
+        <p:nvPicPr>
+          <p:cNvPr id="4" name="Picture 3" descr="Graphical user interface, application&#10;&#10;Description automatically generated">
+            <a:extLst>
+              <a:ext uri="{FF2B5EF4-FFF2-40B4-BE49-F238E27FC236}">
+                <a16:creationId xmlns:a16="http://schemas.microsoft.com/office/drawing/2014/main" id="{BB41436E-AD2C-4425-865E-33234E7750B0}"/>
+              </a:ext>
+            </a:extLst>
+          </p:cNvPr>
+          <p:cNvPicPr>
+            <a:picLocks noChangeAspect="1"/>
+          </p:cNvPicPr>
+          <p:nvPr/>
+        </p:nvPicPr>
+        <p:blipFill rotWithShape="1">
+          <a:blip r:embed="rId2"/>
+          <a:srcRect l="11859" t="19099" r="63301" b="48974"/>
+          <a:stretch/>
+        </p:blipFill>
+        <p:spPr bwMode="auto">
+          <a:xfrm>
+            <a:off x="2148025" y="2988144"/>
+            <a:ext cx="3805140" cy="2749521"/>
+          </a:xfrm>
+          <a:prstGeom prst="rect">
+            <a:avLst/>
+          </a:prstGeom>
+          <a:ln>
+            <a:noFill/>
+          </a:ln>
+          <a:extLst>
+            <a:ext uri="{53640926-AAD7-44D8-BBD7-CCE9431645EC}">
+              <a14:shadowObscured xmlns:a14="http://schemas.microsoft.com/office/drawing/2010/main"/>
+            </a:ext>
+          </a:extLst>
+        </p:spPr>
+      </p:pic>
+      <p:pic>
+        <p:nvPicPr>
+          <p:cNvPr id="5" name="Picture 4" descr="Graphical user interface, text, application&#10;&#10;Description automatically generated">
+            <a:extLst>
+              <a:ext uri="{FF2B5EF4-FFF2-40B4-BE49-F238E27FC236}">
+                <a16:creationId xmlns:a16="http://schemas.microsoft.com/office/drawing/2014/main" id="{C9EBCE00-F1B3-4FDB-92D3-F520ADB94203}"/>
+              </a:ext>
+            </a:extLst>
+          </p:cNvPr>
+          <p:cNvPicPr>
+            <a:picLocks noChangeAspect="1"/>
+          </p:cNvPicPr>
+          <p:nvPr/>
+        </p:nvPicPr>
+        <p:blipFill rotWithShape="1">
+          <a:blip r:embed="rId3"/>
+          <a:srcRect l="10898" t="23375" r="63942" b="43843"/>
+          <a:stretch/>
+        </p:blipFill>
+        <p:spPr bwMode="auto">
+          <a:xfrm>
+            <a:off x="6655186" y="2988143"/>
+            <a:ext cx="3750741" cy="2749521"/>
+          </a:xfrm>
+          <a:prstGeom prst="rect">
+            <a:avLst/>
+          </a:prstGeom>
+          <a:ln>
+            <a:noFill/>
+          </a:ln>
+          <a:extLst>
+            <a:ext uri="{53640926-AAD7-44D8-BBD7-CCE9431645EC}">
+              <a14:shadowObscured xmlns:a14="http://schemas.microsoft.com/office/drawing/2010/main"/>
+            </a:ext>
+          </a:extLst>
+        </p:spPr>
+      </p:pic>
     </p:spTree>
     <p:extLst>
       <p:ext uri="{BB962C8B-B14F-4D97-AF65-F5344CB8AC3E}">
@@ -4799,46 +4916,83 @@
         </p:nvSpPr>
         <p:spPr>
           <a:xfrm>
-            <a:off x="1066800" y="252927"/>
-            <a:ext cx="10058400" cy="1471962"/>
-          </a:xfrm>
-        </p:spPr>
-        <p:txBody>
-          <a:bodyPr>
+            <a:off x="643466" y="786383"/>
+            <a:ext cx="3517567" cy="2093975"/>
+          </a:xfrm>
+        </p:spPr>
+        <p:txBody>
+          <a:bodyPr anchor="b">
             <a:normAutofit/>
           </a:bodyPr>
           <a:lstStyle/>
           <a:p>
-            <a:pPr algn="ctr"/>
-            <a:r>
-              <a:rPr lang="en-US" sz="4000" dirty="0">
-                <a:solidFill>
-                  <a:srgbClr val="1D1C1D"/>
-                </a:solidFill>
-              </a:rPr>
+            <a:r>
+              <a:rPr lang="en-US"/>
               <a:t>3. Which vaccine was distributed the most?</a:t>
             </a:r>
-            <a:endParaRPr lang="en-US" sz="4000" dirty="0"/>
-          </a:p>
-        </p:txBody>
-      </p:sp>
-      <p:sp>
-        <p:nvSpPr>
-          <p:cNvPr id="3" name="Content Placeholder 2">
-            <a:extLst>
-              <a:ext uri="{FF2B5EF4-FFF2-40B4-BE49-F238E27FC236}">
-                <a16:creationId xmlns:a16="http://schemas.microsoft.com/office/drawing/2014/main" id="{2296215A-DC59-4A67-937F-2A1FCEAF51FC}"/>
-              </a:ext>
-            </a:extLst>
-          </p:cNvPr>
-          <p:cNvSpPr>
-            <a:spLocks noGrp="1"/>
-          </p:cNvSpPr>
-          <p:nvPr>
-            <p:ph idx="1"/>
-          </p:nvPr>
-        </p:nvSpPr>
-        <p:spPr/>
+          </a:p>
+        </p:txBody>
+      </p:sp>
+      <p:pic>
+        <p:nvPicPr>
+          <p:cNvPr id="4" name="Picture 3" descr="A picture containing graphical user interface&#10;&#10;Description automatically generated">
+            <a:extLst>
+              <a:ext uri="{FF2B5EF4-FFF2-40B4-BE49-F238E27FC236}">
+                <a16:creationId xmlns:a16="http://schemas.microsoft.com/office/drawing/2014/main" id="{72E32BFF-024E-4B64-9454-1A5F2A54BF66}"/>
+              </a:ext>
+            </a:extLst>
+          </p:cNvPr>
+          <p:cNvPicPr>
+            <a:picLocks noChangeAspect="1"/>
+          </p:cNvPicPr>
+          <p:nvPr/>
+        </p:nvPicPr>
+        <p:blipFill rotWithShape="1">
+          <a:blip r:embed="rId2"/>
+          <a:srcRect l="11379" t="19954" r="64903" b="30445"/>
+          <a:stretch/>
+        </p:blipFill>
+        <p:spPr bwMode="auto">
+          <a:xfrm>
+            <a:off x="6172645" y="812799"/>
+            <a:ext cx="4501021" cy="5294757"/>
+          </a:xfrm>
+          <a:prstGeom prst="rect">
+            <a:avLst/>
+          </a:prstGeom>
+          <a:noFill/>
+          <a:ln>
+            <a:noFill/>
+          </a:ln>
+          <a:extLst>
+            <a:ext uri="{53640926-AAD7-44D8-BBD7-CCE9431645EC}">
+              <a14:shadowObscured xmlns:a14="http://schemas.microsoft.com/office/drawing/2010/main"/>
+            </a:ext>
+          </a:extLst>
+        </p:spPr>
+      </p:pic>
+      <p:sp>
+        <p:nvSpPr>
+          <p:cNvPr id="9" name="Text Placeholder 3">
+            <a:extLst>
+              <a:ext uri="{FF2B5EF4-FFF2-40B4-BE49-F238E27FC236}">
+                <a16:creationId xmlns:a16="http://schemas.microsoft.com/office/drawing/2014/main" id="{1BE0247F-212C-4C24-BD97-66509CE238BE}"/>
+              </a:ext>
+            </a:extLst>
+          </p:cNvPr>
+          <p:cNvSpPr>
+            <a:spLocks noGrp="1"/>
+          </p:cNvSpPr>
+          <p:nvPr>
+            <p:ph type="body" sz="half" idx="2"/>
+          </p:nvPr>
+        </p:nvSpPr>
+        <p:spPr>
+          <a:xfrm>
+            <a:off x="643465" y="3043050"/>
+            <a:ext cx="3517567" cy="3064505"/>
+          </a:xfrm>
+        </p:spPr>
         <p:txBody>
           <a:bodyPr/>
           <a:lstStyle/>
@@ -4893,47 +5047,87 @@
             <p:ph type="title"/>
           </p:nvPr>
         </p:nvSpPr>
-        <p:spPr/>
-        <p:txBody>
-          <a:bodyPr>
-            <a:noAutofit/>
+        <p:spPr>
+          <a:xfrm>
+            <a:off x="643466" y="786383"/>
+            <a:ext cx="3517567" cy="2093975"/>
+          </a:xfrm>
+        </p:spPr>
+        <p:txBody>
+          <a:bodyPr anchor="b">
+            <a:normAutofit/>
           </a:bodyPr>
           <a:lstStyle/>
           <a:p>
-            <a:pPr algn="ctr"/>
-            <a:r>
-              <a:rPr lang="en-US" sz="3600" dirty="0"/>
-              <a:t>4. </a:t>
-            </a:r>
-            <a:r>
-              <a:rPr lang="en-US" sz="3600" dirty="0">
-                <a:solidFill>
-                  <a:srgbClr val="1D1C1D"/>
-                </a:solidFill>
-              </a:rPr>
-              <a:t>Which population according to age group has a higher percentage of people vaccinated? </a:t>
-            </a:r>
-            <a:endParaRPr lang="en-US" sz="3600" dirty="0"/>
-          </a:p>
-        </p:txBody>
-      </p:sp>
-      <p:sp>
-        <p:nvSpPr>
-          <p:cNvPr id="3" name="Content Placeholder 2">
-            <a:extLst>
-              <a:ext uri="{FF2B5EF4-FFF2-40B4-BE49-F238E27FC236}">
-                <a16:creationId xmlns:a16="http://schemas.microsoft.com/office/drawing/2014/main" id="{6BA00081-FB9E-41DE-A56D-E025E778873A}"/>
-              </a:ext>
-            </a:extLst>
-          </p:cNvPr>
-          <p:cNvSpPr>
-            <a:spLocks noGrp="1"/>
-          </p:cNvSpPr>
+            <a:r>
+              <a:rPr lang="en-US" sz="2500"/>
+              <a:t>4. Which population according to age group has a higher percentage of people vaccinated? </a:t>
+            </a:r>
+          </a:p>
+        </p:txBody>
+      </p:sp>
+      <p:pic>
+        <p:nvPicPr>
+          <p:cNvPr id="4" name="Content Placeholder 3" descr="Graphical user interface&#10;&#10;Description automatically generated with medium confidence">
+            <a:extLst>
+              <a:ext uri="{FF2B5EF4-FFF2-40B4-BE49-F238E27FC236}">
+                <a16:creationId xmlns:a16="http://schemas.microsoft.com/office/drawing/2014/main" id="{BB18D210-6AEF-4F8B-AADE-2BB3CAD1CA26}"/>
+              </a:ext>
+            </a:extLst>
+          </p:cNvPr>
+          <p:cNvPicPr>
+            <a:picLocks noGrp="1" noChangeAspect="1"/>
+          </p:cNvPicPr>
           <p:nvPr>
             <p:ph idx="1"/>
           </p:nvPr>
-        </p:nvSpPr>
-        <p:spPr/>
+        </p:nvPicPr>
+        <p:blipFill rotWithShape="1">
+          <a:blip r:embed="rId2"/>
+          <a:srcRect l="10745" t="15843" r="63944" b="35221"/>
+          <a:stretch/>
+        </p:blipFill>
+        <p:spPr bwMode="auto">
+          <a:xfrm>
+            <a:off x="6096000" y="1427430"/>
+            <a:ext cx="3681046" cy="4003139"/>
+          </a:xfrm>
+          <a:prstGeom prst="rect">
+            <a:avLst/>
+          </a:prstGeom>
+          <a:noFill/>
+          <a:ln>
+            <a:noFill/>
+          </a:ln>
+          <a:extLst>
+            <a:ext uri="{53640926-AAD7-44D8-BBD7-CCE9431645EC}">
+              <a14:shadowObscured xmlns:a14="http://schemas.microsoft.com/office/drawing/2010/main"/>
+            </a:ext>
+          </a:extLst>
+        </p:spPr>
+      </p:pic>
+      <p:sp>
+        <p:nvSpPr>
+          <p:cNvPr id="9" name="Text Placeholder 3">
+            <a:extLst>
+              <a:ext uri="{FF2B5EF4-FFF2-40B4-BE49-F238E27FC236}">
+                <a16:creationId xmlns:a16="http://schemas.microsoft.com/office/drawing/2014/main" id="{A5521AA8-3C08-4B35-A84B-D70710BB82DB}"/>
+              </a:ext>
+            </a:extLst>
+          </p:cNvPr>
+          <p:cNvSpPr>
+            <a:spLocks noGrp="1"/>
+          </p:cNvSpPr>
+          <p:nvPr>
+            <p:ph type="body" sz="half" idx="2"/>
+          </p:nvPr>
+        </p:nvSpPr>
+        <p:spPr>
+          <a:xfrm>
+            <a:off x="643465" y="3043050"/>
+            <a:ext cx="3517567" cy="3064505"/>
+          </a:xfrm>
+        </p:spPr>
         <p:txBody>
           <a:bodyPr/>
           <a:lstStyle/>

--- a/US Vaccine Tracker.pptx
+++ b/US Vaccine Tracker.pptx
@@ -4609,7 +4609,7 @@
         <p:spPr>
           <a:xfrm>
             <a:off x="643466" y="786383"/>
-            <a:ext cx="3517567" cy="2093975"/>
+            <a:ext cx="3517567" cy="3136260"/>
           </a:xfrm>
         </p:spPr>
         <p:txBody>
@@ -4647,8 +4647,8 @@
         </p:blipFill>
         <p:spPr bwMode="auto">
           <a:xfrm>
-            <a:off x="5458984" y="1021584"/>
-            <a:ext cx="5928344" cy="4877187"/>
+            <a:off x="6284252" y="901148"/>
+            <a:ext cx="4559342" cy="3750923"/>
           </a:xfrm>
           <a:prstGeom prst="rect">
             <a:avLst/>
@@ -4666,34 +4666,80 @@
       </p:pic>
       <p:sp>
         <p:nvSpPr>
-          <p:cNvPr id="9" name="Text Placeholder 3">
-            <a:extLst>
-              <a:ext uri="{FF2B5EF4-FFF2-40B4-BE49-F238E27FC236}">
-                <a16:creationId xmlns:a16="http://schemas.microsoft.com/office/drawing/2014/main" id="{02D8D83A-7499-4F17-9B4D-FDDF5AD5565E}"/>
-              </a:ext>
-            </a:extLst>
-          </p:cNvPr>
-          <p:cNvSpPr>
-            <a:spLocks noGrp="1"/>
-          </p:cNvSpPr>
-          <p:nvPr>
-            <p:ph type="body" sz="half" idx="2"/>
-          </p:nvPr>
-        </p:nvSpPr>
-        <p:spPr>
-          <a:xfrm>
-            <a:off x="643465" y="3043050"/>
-            <a:ext cx="3517567" cy="3064505"/>
-          </a:xfrm>
-        </p:spPr>
-        <p:txBody>
-          <a:bodyPr/>
-          <a:lstStyle/>
-          <a:p>
-            <a:endParaRPr lang="en-US" dirty="0"/>
-          </a:p>
-        </p:txBody>
-      </p:sp>
+          <p:cNvPr id="3" name="Rectangle 2">
+            <a:extLst>
+              <a:ext uri="{FF2B5EF4-FFF2-40B4-BE49-F238E27FC236}">
+                <a16:creationId xmlns:a16="http://schemas.microsoft.com/office/drawing/2014/main" id="{E84612AC-1386-42F6-842D-96B5CF4134C5}"/>
+              </a:ext>
+            </a:extLst>
+          </p:cNvPr>
+          <p:cNvSpPr/>
+          <p:nvPr/>
+        </p:nvSpPr>
+        <p:spPr>
+          <a:xfrm>
+            <a:off x="6523165" y="127112"/>
+            <a:ext cx="4081519" cy="774036"/>
+          </a:xfrm>
+          <a:prstGeom prst="rect">
+            <a:avLst/>
+          </a:prstGeom>
+        </p:spPr>
+        <p:style>
+          <a:lnRef idx="2">
+            <a:schemeClr val="accent6"/>
+          </a:lnRef>
+          <a:fillRef idx="1">
+            <a:schemeClr val="lt1"/>
+          </a:fillRef>
+          <a:effectRef idx="0">
+            <a:schemeClr val="accent6"/>
+          </a:effectRef>
+          <a:fontRef idx="minor">
+            <a:schemeClr val="dk1"/>
+          </a:fontRef>
+        </p:style>
+        <p:txBody>
+          <a:bodyPr rtlCol="0" anchor="ctr"/>
+          <a:lstStyle/>
+          <a:p>
+            <a:pPr algn="ctr"/>
+            <a:r>
+              <a:rPr lang="en-US" dirty="0"/>
+              <a:t>Total Administrated and Distributed Vaccine in US</a:t>
+            </a:r>
+          </a:p>
+        </p:txBody>
+      </p:sp>
+      <p:pic>
+        <p:nvPicPr>
+          <p:cNvPr id="6" name="Picture 5">
+            <a:extLst>
+              <a:ext uri="{FF2B5EF4-FFF2-40B4-BE49-F238E27FC236}">
+                <a16:creationId xmlns:a16="http://schemas.microsoft.com/office/drawing/2014/main" id="{FFCB2230-9A57-4D79-A63D-6EDDBE4ABD32}"/>
+              </a:ext>
+            </a:extLst>
+          </p:cNvPr>
+          <p:cNvPicPr>
+            <a:picLocks noChangeAspect="1"/>
+          </p:cNvPicPr>
+          <p:nvPr/>
+        </p:nvPicPr>
+        <p:blipFill rotWithShape="1">
+          <a:blip r:embed="rId3"/>
+          <a:srcRect l="26957" t="22981" r="48261" b="53625"/>
+          <a:stretch/>
+        </p:blipFill>
+        <p:spPr>
+          <a:xfrm>
+            <a:off x="6626955" y="4652071"/>
+            <a:ext cx="3873937" cy="2055905"/>
+          </a:xfrm>
+          <a:prstGeom prst="rect">
+            <a:avLst/>
+          </a:prstGeom>
+        </p:spPr>
+      </p:pic>
     </p:spTree>
     <p:extLst>
       <p:ext uri="{BB962C8B-B14F-4D97-AF65-F5344CB8AC3E}">
@@ -4764,36 +4810,6 @@
           </a:p>
         </p:txBody>
       </p:sp>
-      <p:sp>
-        <p:nvSpPr>
-          <p:cNvPr id="3" name="Content Placeholder 2">
-            <a:extLst>
-              <a:ext uri="{FF2B5EF4-FFF2-40B4-BE49-F238E27FC236}">
-                <a16:creationId xmlns:a16="http://schemas.microsoft.com/office/drawing/2014/main" id="{C7478A13-4E17-4B3D-9893-2E98A3080914}"/>
-              </a:ext>
-            </a:extLst>
-          </p:cNvPr>
-          <p:cNvSpPr>
-            <a:spLocks noGrp="1"/>
-          </p:cNvSpPr>
-          <p:nvPr>
-            <p:ph idx="1"/>
-          </p:nvPr>
-        </p:nvSpPr>
-        <p:spPr>
-          <a:xfrm>
-            <a:off x="1097280" y="2108202"/>
-            <a:ext cx="10058400" cy="508390"/>
-          </a:xfrm>
-        </p:spPr>
-        <p:txBody>
-          <a:bodyPr/>
-          <a:lstStyle/>
-          <a:p>
-            <a:endParaRPr lang="en-US" dirty="0"/>
-          </a:p>
-        </p:txBody>
-      </p:sp>
       <p:pic>
         <p:nvPicPr>
           <p:cNvPr id="4" name="Picture 3" descr="Graphical user interface, application&#10;&#10;Description automatically generated">
@@ -4815,8 +4831,8 @@
         </p:blipFill>
         <p:spPr bwMode="auto">
           <a:xfrm>
-            <a:off x="2148025" y="2988144"/>
-            <a:ext cx="3805140" cy="2749521"/>
+            <a:off x="1502108" y="2411896"/>
+            <a:ext cx="4089105" cy="2954709"/>
           </a:xfrm>
           <a:prstGeom prst="rect">
             <a:avLst/>
@@ -4852,8 +4868,8 @@
         </p:blipFill>
         <p:spPr bwMode="auto">
           <a:xfrm>
-            <a:off x="6655186" y="2988143"/>
-            <a:ext cx="3750741" cy="2749521"/>
+            <a:off x="6655186" y="2408920"/>
+            <a:ext cx="4034706" cy="2957685"/>
           </a:xfrm>
           <a:prstGeom prst="rect">
             <a:avLst/>
@@ -4917,7 +4933,7 @@
         <p:spPr>
           <a:xfrm>
             <a:off x="643466" y="786383"/>
-            <a:ext cx="3517567" cy="2093975"/>
+            <a:ext cx="3517567" cy="3454313"/>
           </a:xfrm>
         </p:spPr>
         <p:txBody>
@@ -4927,7 +4943,7 @@
           <a:lstStyle/>
           <a:p>
             <a:r>
-              <a:rPr lang="en-US"/>
+              <a:rPr lang="en-US" dirty="0"/>
               <a:t>3. Which vaccine was distributed the most?</a:t>
             </a:r>
           </a:p>
@@ -4935,10 +4951,10 @@
       </p:sp>
       <p:pic>
         <p:nvPicPr>
-          <p:cNvPr id="4" name="Picture 3" descr="A picture containing graphical user interface&#10;&#10;Description automatically generated">
-            <a:extLst>
-              <a:ext uri="{FF2B5EF4-FFF2-40B4-BE49-F238E27FC236}">
-                <a16:creationId xmlns:a16="http://schemas.microsoft.com/office/drawing/2014/main" id="{72E32BFF-024E-4B64-9454-1A5F2A54BF66}"/>
+          <p:cNvPr id="6" name="Picture 5">
+            <a:extLst>
+              <a:ext uri="{FF2B5EF4-FFF2-40B4-BE49-F238E27FC236}">
+                <a16:creationId xmlns:a16="http://schemas.microsoft.com/office/drawing/2014/main" id="{6ED65CB7-0B73-4A5D-BB0A-68DE4EBF8742}"/>
               </a:ext>
             </a:extLst>
           </p:cNvPr>
@@ -4949,58 +4965,48 @@
         </p:nvPicPr>
         <p:blipFill rotWithShape="1">
           <a:blip r:embed="rId2"/>
-          <a:srcRect l="11379" t="19954" r="64903" b="30445"/>
+          <a:srcRect l="25956" t="26040" r="45192" b="33325"/>
           <a:stretch/>
         </p:blipFill>
-        <p:spPr bwMode="auto">
-          <a:xfrm>
-            <a:off x="6172645" y="812799"/>
-            <a:ext cx="4501021" cy="5294757"/>
+        <p:spPr>
+          <a:xfrm>
+            <a:off x="5668100" y="305810"/>
+            <a:ext cx="5471270" cy="4332451"/>
           </a:xfrm>
           <a:prstGeom prst="rect">
             <a:avLst/>
           </a:prstGeom>
-          <a:noFill/>
-          <a:ln>
-            <a:noFill/>
-          </a:ln>
-          <a:extLst>
-            <a:ext uri="{53640926-AAD7-44D8-BBD7-CCE9431645EC}">
-              <a14:shadowObscured xmlns:a14="http://schemas.microsoft.com/office/drawing/2010/main"/>
-            </a:ext>
-          </a:extLst>
         </p:spPr>
       </p:pic>
-      <p:sp>
-        <p:nvSpPr>
-          <p:cNvPr id="9" name="Text Placeholder 3">
-            <a:extLst>
-              <a:ext uri="{FF2B5EF4-FFF2-40B4-BE49-F238E27FC236}">
-                <a16:creationId xmlns:a16="http://schemas.microsoft.com/office/drawing/2014/main" id="{1BE0247F-212C-4C24-BD97-66509CE238BE}"/>
-              </a:ext>
-            </a:extLst>
-          </p:cNvPr>
-          <p:cNvSpPr>
-            <a:spLocks noGrp="1"/>
-          </p:cNvSpPr>
-          <p:nvPr>
-            <p:ph type="body" sz="half" idx="2"/>
-          </p:nvPr>
-        </p:nvSpPr>
-        <p:spPr>
-          <a:xfrm>
-            <a:off x="643465" y="3043050"/>
-            <a:ext cx="3517567" cy="3064505"/>
-          </a:xfrm>
-        </p:spPr>
-        <p:txBody>
-          <a:bodyPr/>
-          <a:lstStyle/>
-          <a:p>
-            <a:endParaRPr lang="en-US" dirty="0"/>
-          </a:p>
-        </p:txBody>
-      </p:sp>
+      <p:pic>
+        <p:nvPicPr>
+          <p:cNvPr id="8" name="Picture 7">
+            <a:extLst>
+              <a:ext uri="{FF2B5EF4-FFF2-40B4-BE49-F238E27FC236}">
+                <a16:creationId xmlns:a16="http://schemas.microsoft.com/office/drawing/2014/main" id="{0E3B63DE-4754-4086-BA8B-2AD8BCEA5089}"/>
+              </a:ext>
+            </a:extLst>
+          </p:cNvPr>
+          <p:cNvPicPr>
+            <a:picLocks noChangeAspect="1"/>
+          </p:cNvPicPr>
+          <p:nvPr/>
+        </p:nvPicPr>
+        <p:blipFill rotWithShape="1">
+          <a:blip r:embed="rId3"/>
+          <a:srcRect l="28144" t="43895" r="54424" b="40302"/>
+          <a:stretch/>
+        </p:blipFill>
+        <p:spPr>
+          <a:xfrm>
+            <a:off x="6873302" y="4992202"/>
+            <a:ext cx="3060866" cy="1559988"/>
+          </a:xfrm>
+          <a:prstGeom prst="rect">
+            <a:avLst/>
+          </a:prstGeom>
+        </p:spPr>
+      </p:pic>
     </p:spTree>
     <p:extLst>
       <p:ext uri="{BB962C8B-B14F-4D97-AF65-F5344CB8AC3E}">
@@ -5050,7 +5056,7 @@
         <p:spPr>
           <a:xfrm>
             <a:off x="643466" y="786383"/>
-            <a:ext cx="3517567" cy="2093975"/>
+            <a:ext cx="3517567" cy="3494069"/>
           </a:xfrm>
         </p:spPr>
         <p:txBody>
@@ -5060,7 +5066,7 @@
           <a:lstStyle/>
           <a:p>
             <a:r>
-              <a:rPr lang="en-US" sz="2500"/>
+              <a:rPr lang="en-US" sz="2500" dirty="0"/>
               <a:t>4. Which population according to age group has a higher percentage of people vaccinated? </a:t>
             </a:r>
           </a:p>
@@ -5068,74 +5074,62 @@
       </p:sp>
       <p:pic>
         <p:nvPicPr>
-          <p:cNvPr id="4" name="Content Placeholder 3" descr="Graphical user interface&#10;&#10;Description automatically generated with medium confidence">
-            <a:extLst>
-              <a:ext uri="{FF2B5EF4-FFF2-40B4-BE49-F238E27FC236}">
-                <a16:creationId xmlns:a16="http://schemas.microsoft.com/office/drawing/2014/main" id="{BB18D210-6AEF-4F8B-AADE-2BB3CAD1CA26}"/>
+          <p:cNvPr id="13" name="Picture 12">
+            <a:extLst>
+              <a:ext uri="{FF2B5EF4-FFF2-40B4-BE49-F238E27FC236}">
+                <a16:creationId xmlns:a16="http://schemas.microsoft.com/office/drawing/2014/main" id="{E82F6E71-57A2-48C9-B41C-7A787C17D191}"/>
               </a:ext>
             </a:extLst>
           </p:cNvPr>
           <p:cNvPicPr>
-            <a:picLocks noGrp="1" noChangeAspect="1"/>
+            <a:picLocks noChangeAspect="1"/>
           </p:cNvPicPr>
-          <p:nvPr>
-            <p:ph idx="1"/>
-          </p:nvPr>
+          <p:nvPr/>
         </p:nvPicPr>
         <p:blipFill rotWithShape="1">
           <a:blip r:embed="rId2"/>
-          <a:srcRect l="10745" t="15843" r="63944" b="35221"/>
+          <a:srcRect l="25841" t="22961" r="45308" b="34146"/>
           <a:stretch/>
         </p:blipFill>
-        <p:spPr bwMode="auto">
-          <a:xfrm>
-            <a:off x="6096000" y="1427430"/>
-            <a:ext cx="3681046" cy="4003139"/>
+        <p:spPr>
+          <a:xfrm>
+            <a:off x="6096000" y="378167"/>
+            <a:ext cx="5162146" cy="4314765"/>
           </a:xfrm>
           <a:prstGeom prst="rect">
             <a:avLst/>
           </a:prstGeom>
-          <a:noFill/>
-          <a:ln>
-            <a:noFill/>
-          </a:ln>
-          <a:extLst>
-            <a:ext uri="{53640926-AAD7-44D8-BBD7-CCE9431645EC}">
-              <a14:shadowObscured xmlns:a14="http://schemas.microsoft.com/office/drawing/2010/main"/>
-            </a:ext>
-          </a:extLst>
         </p:spPr>
       </p:pic>
-      <p:sp>
-        <p:nvSpPr>
-          <p:cNvPr id="9" name="Text Placeholder 3">
-            <a:extLst>
-              <a:ext uri="{FF2B5EF4-FFF2-40B4-BE49-F238E27FC236}">
-                <a16:creationId xmlns:a16="http://schemas.microsoft.com/office/drawing/2014/main" id="{A5521AA8-3C08-4B35-A84B-D70710BB82DB}"/>
-              </a:ext>
-            </a:extLst>
-          </p:cNvPr>
-          <p:cNvSpPr>
-            <a:spLocks noGrp="1"/>
-          </p:cNvSpPr>
-          <p:nvPr>
-            <p:ph type="body" sz="half" idx="2"/>
-          </p:nvPr>
-        </p:nvSpPr>
-        <p:spPr>
-          <a:xfrm>
-            <a:off x="643465" y="3043050"/>
-            <a:ext cx="3517567" cy="3064505"/>
-          </a:xfrm>
-        </p:spPr>
-        <p:txBody>
-          <a:bodyPr/>
-          <a:lstStyle/>
-          <a:p>
-            <a:endParaRPr lang="en-US" dirty="0"/>
-          </a:p>
-        </p:txBody>
-      </p:sp>
+      <p:pic>
+        <p:nvPicPr>
+          <p:cNvPr id="15" name="Picture 14">
+            <a:extLst>
+              <a:ext uri="{FF2B5EF4-FFF2-40B4-BE49-F238E27FC236}">
+                <a16:creationId xmlns:a16="http://schemas.microsoft.com/office/drawing/2014/main" id="{4542EC60-2EA6-48B9-94CF-9557F83C23E9}"/>
+              </a:ext>
+            </a:extLst>
+          </p:cNvPr>
+          <p:cNvPicPr>
+            <a:picLocks noChangeAspect="1"/>
+          </p:cNvPicPr>
+          <p:nvPr/>
+        </p:nvPicPr>
+        <p:blipFill rotWithShape="1">
+          <a:blip r:embed="rId3"/>
+          <a:srcRect l="28171" t="42868" r="44385" b="41329"/>
+          <a:stretch/>
+        </p:blipFill>
+        <p:spPr>
+          <a:xfrm>
+            <a:off x="6221895" y="4890184"/>
+            <a:ext cx="4910355" cy="1589649"/>
+          </a:xfrm>
+          <a:prstGeom prst="rect">
+            <a:avLst/>
+          </a:prstGeom>
+        </p:spPr>
+      </p:pic>
     </p:spTree>
     <p:extLst>
       <p:ext uri="{BB962C8B-B14F-4D97-AF65-F5344CB8AC3E}">

--- a/US Vaccine Tracker.pptx
+++ b/US Vaccine Tracker.pptx
@@ -8,13 +8,16 @@
     <p:sldId id="257" r:id="rId2"/>
     <p:sldId id="259" r:id="rId3"/>
     <p:sldId id="263" r:id="rId4"/>
-    <p:sldId id="262" r:id="rId5"/>
-    <p:sldId id="260" r:id="rId6"/>
-    <p:sldId id="261" r:id="rId7"/>
-    <p:sldId id="264" r:id="rId8"/>
-    <p:sldId id="266" r:id="rId9"/>
-    <p:sldId id="265" r:id="rId10"/>
-    <p:sldId id="258" r:id="rId11"/>
+    <p:sldId id="266" r:id="rId5"/>
+    <p:sldId id="262" r:id="rId6"/>
+    <p:sldId id="260" r:id="rId7"/>
+    <p:sldId id="269" r:id="rId8"/>
+    <p:sldId id="270" r:id="rId9"/>
+    <p:sldId id="261" r:id="rId10"/>
+    <p:sldId id="264" r:id="rId11"/>
+    <p:sldId id="268" r:id="rId12"/>
+    <p:sldId id="265" r:id="rId13"/>
+    <p:sldId id="258" r:id="rId14"/>
   </p:sldIdLst>
   <p:sldSz cx="12192000" cy="6858000"/>
   <p:notesSz cx="6858000" cy="9144000"/>
@@ -365,7 +368,7 @@
           <a:p>
             <a:fld id="{9184DA70-C731-4C70-880D-CCD4705E623C}" type="datetime1">
               <a:rPr lang="en-US" smtClean="0"/>
-              <a:t>10/27/2021</a:t>
+              <a:t>10/30/2021</a:t>
             </a:fld>
             <a:endParaRPr lang="en-US" dirty="0"/>
           </a:p>
@@ -553,7 +556,7 @@
           <a:p>
             <a:fld id="{B612A279-0833-481D-8C56-F67FD0AC6C50}" type="datetime1">
               <a:rPr lang="en-US" smtClean="0"/>
-              <a:t>10/27/2021</a:t>
+              <a:t>10/30/2021</a:t>
             </a:fld>
             <a:endParaRPr lang="en-US" dirty="0"/>
           </a:p>
@@ -795,7 +798,7 @@
           <a:p>
             <a:fld id="{6587DA83-5663-4C9C-B9AA-0B40A3DAFF81}" type="datetime1">
               <a:rPr lang="en-US" smtClean="0"/>
-              <a:t>10/27/2021</a:t>
+              <a:t>10/30/2021</a:t>
             </a:fld>
             <a:endParaRPr lang="en-US" dirty="0"/>
           </a:p>
@@ -983,7 +986,7 @@
           <a:p>
             <a:fld id="{4BE1D723-8F53-4F53-90B0-1982A396982E}" type="datetime1">
               <a:rPr lang="en-US" smtClean="0"/>
-              <a:t>10/27/2021</a:t>
+              <a:t>10/30/2021</a:t>
             </a:fld>
             <a:endParaRPr lang="en-US" dirty="0"/>
           </a:p>
@@ -1356,7 +1359,7 @@
           <a:p>
             <a:fld id="{97669AF7-7BEB-44E4-9852-375E34362B5B}" type="datetime1">
               <a:rPr lang="en-US" smtClean="0"/>
-              <a:t>10/27/2021</a:t>
+              <a:t>10/30/2021</a:t>
             </a:fld>
             <a:endParaRPr lang="en-US" dirty="0"/>
           </a:p>
@@ -1611,7 +1614,7 @@
           <a:p>
             <a:fld id="{BAAAC38D-0552-4C82-B593-E6124DFADBE2}" type="datetime1">
               <a:rPr lang="en-US" smtClean="0"/>
-              <a:t>10/27/2021</a:t>
+              <a:t>10/30/2021</a:t>
             </a:fld>
             <a:endParaRPr lang="en-US" dirty="0"/>
           </a:p>
@@ -2008,7 +2011,7 @@
           <a:p>
             <a:fld id="{D9DF0F1C-5577-4ACB-BB62-DF8F3C494C7E}" type="datetime1">
               <a:rPr lang="en-US" smtClean="0"/>
-              <a:t>10/27/2021</a:t>
+              <a:t>10/30/2021</a:t>
             </a:fld>
             <a:endParaRPr lang="en-US" dirty="0"/>
           </a:p>
@@ -2144,7 +2147,7 @@
           <a:p>
             <a:fld id="{1775B394-D9F9-4F0C-B15D-605F45CB9E9F}" type="datetime1">
               <a:rPr lang="en-US" smtClean="0"/>
-              <a:t>10/27/2021</a:t>
+              <a:t>10/30/2021</a:t>
             </a:fld>
             <a:endParaRPr lang="en-US" dirty="0"/>
           </a:p>
@@ -2301,7 +2304,7 @@
           <a:p>
             <a:fld id="{39667345-2558-425A-8533-9BFDBCE15005}" type="datetime1">
               <a:rPr lang="en-US" smtClean="0"/>
-              <a:t>10/27/2021</a:t>
+              <a:t>10/30/2021</a:t>
             </a:fld>
             <a:endParaRPr lang="en-US" dirty="0"/>
           </a:p>
@@ -2630,7 +2633,7 @@
           <a:p>
             <a:fld id="{92BEA474-078D-4E9B-9B14-09A87B19DC46}" type="datetime1">
               <a:rPr lang="en-US" smtClean="0"/>
-              <a:t>10/27/2021</a:t>
+              <a:t>10/30/2021</a:t>
             </a:fld>
             <a:endParaRPr lang="en-US" dirty="0"/>
           </a:p>
@@ -2980,7 +2983,7 @@
           <a:p>
             <a:fld id="{4907D986-8816-4272-A432-0437A28A9828}" type="datetime1">
               <a:rPr lang="en-US" smtClean="0"/>
-              <a:t>10/27/2021</a:t>
+              <a:t>10/30/2021</a:t>
             </a:fld>
             <a:endParaRPr lang="en-US" dirty="0"/>
           </a:p>
@@ -3241,7 +3244,7 @@
           <a:p>
             <a:fld id="{62D6E202-B606-4609-B914-27C9371A1F6D}" type="datetime1">
               <a:rPr lang="en-US" smtClean="0"/>
-              <a:t>10/27/2021</a:t>
+              <a:t>10/30/2021</a:t>
             </a:fld>
             <a:endParaRPr lang="en-US" dirty="0"/>
           </a:p>
@@ -4098,6 +4101,550 @@
 <file path=ppt/slides/slide10.xml><?xml version="1.0" encoding="utf-8"?>
 <p:sld xmlns:a="http://schemas.openxmlformats.org/drawingml/2006/main" xmlns:r="http://schemas.openxmlformats.org/officeDocument/2006/relationships" xmlns:p="http://schemas.openxmlformats.org/presentationml/2006/main">
   <p:cSld>
+    <p:spTree>
+      <p:nvGrpSpPr>
+        <p:cNvPr id="1" name=""/>
+        <p:cNvGrpSpPr/>
+        <p:nvPr/>
+      </p:nvGrpSpPr>
+      <p:grpSpPr>
+        <a:xfrm>
+          <a:off x="0" y="0"/>
+          <a:ext cx="0" cy="0"/>
+          <a:chOff x="0" y="0"/>
+          <a:chExt cx="0" cy="0"/>
+        </a:xfrm>
+      </p:grpSpPr>
+      <p:sp>
+        <p:nvSpPr>
+          <p:cNvPr id="2" name="Title 1">
+            <a:extLst>
+              <a:ext uri="{FF2B5EF4-FFF2-40B4-BE49-F238E27FC236}">
+                <a16:creationId xmlns:a16="http://schemas.microsoft.com/office/drawing/2014/main" id="{D047D57B-71B9-4808-9023-64A0E92DD561}"/>
+              </a:ext>
+            </a:extLst>
+          </p:cNvPr>
+          <p:cNvSpPr>
+            <a:spLocks noGrp="1"/>
+          </p:cNvSpPr>
+          <p:nvPr>
+            <p:ph type="title"/>
+          </p:nvPr>
+        </p:nvSpPr>
+        <p:spPr>
+          <a:xfrm>
+            <a:off x="643466" y="786383"/>
+            <a:ext cx="3517567" cy="3494069"/>
+          </a:xfrm>
+        </p:spPr>
+        <p:txBody>
+          <a:bodyPr anchor="b">
+            <a:normAutofit/>
+          </a:bodyPr>
+          <a:lstStyle/>
+          <a:p>
+            <a:r>
+              <a:rPr lang="en-US" sz="2500" dirty="0"/>
+              <a:t>4. Which population according to age group has a higher percentage of people vaccinated? </a:t>
+            </a:r>
+          </a:p>
+        </p:txBody>
+      </p:sp>
+      <p:pic>
+        <p:nvPicPr>
+          <p:cNvPr id="13" name="Picture 12">
+            <a:extLst>
+              <a:ext uri="{FF2B5EF4-FFF2-40B4-BE49-F238E27FC236}">
+                <a16:creationId xmlns:a16="http://schemas.microsoft.com/office/drawing/2014/main" id="{E82F6E71-57A2-48C9-B41C-7A787C17D191}"/>
+              </a:ext>
+            </a:extLst>
+          </p:cNvPr>
+          <p:cNvPicPr>
+            <a:picLocks noChangeAspect="1"/>
+          </p:cNvPicPr>
+          <p:nvPr/>
+        </p:nvPicPr>
+        <p:blipFill rotWithShape="1">
+          <a:blip r:embed="rId2"/>
+          <a:srcRect l="25841" t="22961" r="45308" b="34146"/>
+          <a:stretch/>
+        </p:blipFill>
+        <p:spPr>
+          <a:xfrm>
+            <a:off x="6096000" y="376034"/>
+            <a:ext cx="5162146" cy="4314765"/>
+          </a:xfrm>
+          <a:prstGeom prst="rect">
+            <a:avLst/>
+          </a:prstGeom>
+        </p:spPr>
+      </p:pic>
+      <p:pic>
+        <p:nvPicPr>
+          <p:cNvPr id="7" name="Picture 6">
+            <a:extLst>
+              <a:ext uri="{FF2B5EF4-FFF2-40B4-BE49-F238E27FC236}">
+                <a16:creationId xmlns:a16="http://schemas.microsoft.com/office/drawing/2014/main" id="{C2524053-B3A3-47F0-BEE1-9E60A3CAC01D}"/>
+              </a:ext>
+            </a:extLst>
+          </p:cNvPr>
+          <p:cNvPicPr>
+            <a:picLocks noChangeAspect="1"/>
+          </p:cNvPicPr>
+          <p:nvPr/>
+        </p:nvPicPr>
+        <p:blipFill rotWithShape="1">
+          <a:blip r:embed="rId3"/>
+          <a:srcRect l="7940" r="8465"/>
+          <a:stretch/>
+        </p:blipFill>
+        <p:spPr>
+          <a:xfrm>
+            <a:off x="6519409" y="4873162"/>
+            <a:ext cx="4315327" cy="1984838"/>
+          </a:xfrm>
+          <a:prstGeom prst="rect">
+            <a:avLst/>
+          </a:prstGeom>
+        </p:spPr>
+      </p:pic>
+    </p:spTree>
+    <p:extLst>
+      <p:ext uri="{BB962C8B-B14F-4D97-AF65-F5344CB8AC3E}">
+        <p14:creationId xmlns:p14="http://schemas.microsoft.com/office/powerpoint/2010/main" val="4072653066"/>
+      </p:ext>
+    </p:extLst>
+  </p:cSld>
+  <p:clrMapOvr>
+    <a:masterClrMapping/>
+  </p:clrMapOvr>
+</p:sld>
+</file>
+
+<file path=ppt/slides/slide11.xml><?xml version="1.0" encoding="utf-8"?>
+<p:sld xmlns:a="http://schemas.openxmlformats.org/drawingml/2006/main" xmlns:r="http://schemas.openxmlformats.org/officeDocument/2006/relationships" xmlns:p="http://schemas.openxmlformats.org/presentationml/2006/main">
+  <p:cSld>
+    <p:spTree>
+      <p:nvGrpSpPr>
+        <p:cNvPr id="1" name=""/>
+        <p:cNvGrpSpPr/>
+        <p:nvPr/>
+      </p:nvGrpSpPr>
+      <p:grpSpPr>
+        <a:xfrm>
+          <a:off x="0" y="0"/>
+          <a:ext cx="0" cy="0"/>
+          <a:chOff x="0" y="0"/>
+          <a:chExt cx="0" cy="0"/>
+        </a:xfrm>
+      </p:grpSpPr>
+      <p:sp>
+        <p:nvSpPr>
+          <p:cNvPr id="9" name="Title 1">
+            <a:extLst>
+              <a:ext uri="{FF2B5EF4-FFF2-40B4-BE49-F238E27FC236}">
+                <a16:creationId xmlns:a16="http://schemas.microsoft.com/office/drawing/2014/main" id="{C8619585-A194-46B2-8D47-6C44AE096C3D}"/>
+              </a:ext>
+            </a:extLst>
+          </p:cNvPr>
+          <p:cNvSpPr>
+            <a:spLocks noGrp="1"/>
+          </p:cNvSpPr>
+          <p:nvPr>
+            <p:ph type="title"/>
+          </p:nvPr>
+        </p:nvSpPr>
+        <p:spPr>
+          <a:xfrm>
+            <a:off x="1097280" y="273351"/>
+            <a:ext cx="10058400" cy="1184388"/>
+          </a:xfrm>
+        </p:spPr>
+        <p:txBody>
+          <a:bodyPr/>
+          <a:lstStyle/>
+          <a:p>
+            <a:pPr algn="ctr"/>
+            <a:r>
+              <a:rPr lang="en-US" dirty="0"/>
+              <a:t>Conclusion</a:t>
+            </a:r>
+          </a:p>
+        </p:txBody>
+      </p:sp>
+      <p:sp>
+        <p:nvSpPr>
+          <p:cNvPr id="11" name="Content Placeholder 2">
+            <a:extLst>
+              <a:ext uri="{FF2B5EF4-FFF2-40B4-BE49-F238E27FC236}">
+                <a16:creationId xmlns:a16="http://schemas.microsoft.com/office/drawing/2014/main" id="{50B9C3DC-8E1B-4776-B436-D568D426105F}"/>
+              </a:ext>
+            </a:extLst>
+          </p:cNvPr>
+          <p:cNvSpPr>
+            <a:spLocks noGrp="1"/>
+          </p:cNvSpPr>
+          <p:nvPr>
+            <p:ph idx="1"/>
+          </p:nvPr>
+        </p:nvSpPr>
+        <p:spPr>
+          <a:xfrm>
+            <a:off x="1097280" y="2108202"/>
+            <a:ext cx="10058400" cy="2864852"/>
+          </a:xfrm>
+        </p:spPr>
+        <p:txBody>
+          <a:bodyPr>
+            <a:normAutofit fontScale="92500" lnSpcReduction="20000"/>
+          </a:bodyPr>
+          <a:lstStyle/>
+          <a:p>
+            <a:pPr marL="0" indent="0" algn="ctr">
+              <a:buNone/>
+            </a:pPr>
+            <a:r>
+              <a:rPr lang="en-US" sz="2400" dirty="0">
+                <a:solidFill>
+                  <a:srgbClr val="1D1C1D"/>
+                </a:solidFill>
+                <a:latin typeface="Slack-Lato"/>
+              </a:rPr>
+              <a:t>From the data we can conclude…</a:t>
+            </a:r>
+          </a:p>
+          <a:p>
+            <a:pPr algn="ctr">
+              <a:buFont typeface="Arial" panose="020B0604020202020204" pitchFamily="34" charset="0"/>
+              <a:buChar char="•"/>
+            </a:pPr>
+            <a:r>
+              <a:rPr lang="en-US" sz="2400" dirty="0">
+                <a:solidFill>
+                  <a:srgbClr val="1D1C1D"/>
+                </a:solidFill>
+                <a:latin typeface="Slack-Lato"/>
+              </a:rPr>
+              <a:t> More people in our US population are getting vaccinated based on age group</a:t>
+            </a:r>
+          </a:p>
+          <a:p>
+            <a:pPr algn="ctr">
+              <a:buFont typeface="Arial" panose="020B0604020202020204" pitchFamily="34" charset="0"/>
+              <a:buChar char="•"/>
+            </a:pPr>
+            <a:r>
+              <a:rPr lang="en-US" sz="2400" dirty="0">
+                <a:solidFill>
+                  <a:srgbClr val="1D1C1D"/>
+                </a:solidFill>
+                <a:latin typeface="Slack-Lato"/>
+              </a:rPr>
+              <a:t> Pfizer is on the top of the charts for most heavily distributed vaccine</a:t>
+            </a:r>
+          </a:p>
+          <a:p>
+            <a:pPr algn="ctr">
+              <a:buFont typeface="Arial" panose="020B0604020202020204" pitchFamily="34" charset="0"/>
+              <a:buChar char="•"/>
+            </a:pPr>
+            <a:r>
+              <a:rPr lang="en-US" sz="2400" dirty="0">
+                <a:solidFill>
+                  <a:srgbClr val="1D1C1D"/>
+                </a:solidFill>
+                <a:latin typeface="Slack-Lato"/>
+              </a:rPr>
+              <a:t> The NE region had the most vaccines distributed and administered </a:t>
+            </a:r>
+          </a:p>
+          <a:p>
+            <a:pPr algn="ctr">
+              <a:buFont typeface="Arial" panose="020B0604020202020204" pitchFamily="34" charset="0"/>
+              <a:buChar char="•"/>
+            </a:pPr>
+            <a:r>
+              <a:rPr lang="en-US" sz="2400" dirty="0">
+                <a:solidFill>
+                  <a:srgbClr val="1D1C1D"/>
+                </a:solidFill>
+                <a:latin typeface="Slack-Lato"/>
+              </a:rPr>
+              <a:t>The South had the most distributed vaccine</a:t>
+            </a:r>
+          </a:p>
+          <a:p>
+            <a:pPr algn="ctr">
+              <a:buFont typeface="Arial" panose="020B0604020202020204" pitchFamily="34" charset="0"/>
+              <a:buChar char="•"/>
+            </a:pPr>
+            <a:r>
+              <a:rPr lang="en-US" sz="2400" dirty="0">
+                <a:solidFill>
+                  <a:srgbClr val="1D1C1D"/>
+                </a:solidFill>
+                <a:latin typeface="Slack-Lato"/>
+              </a:rPr>
+              <a:t> Elders, 65 and over, have gotten vaccinated the most </a:t>
+            </a:r>
+          </a:p>
+          <a:p>
+            <a:pPr>
+              <a:buFont typeface="Arial" panose="020B0604020202020204" pitchFamily="34" charset="0"/>
+              <a:buChar char="•"/>
+            </a:pPr>
+            <a:endParaRPr lang="en-US" dirty="0"/>
+          </a:p>
+          <a:p>
+            <a:pPr>
+              <a:buFont typeface="Arial" panose="020B0604020202020204" pitchFamily="34" charset="0"/>
+              <a:buChar char="•"/>
+            </a:pPr>
+            <a:endParaRPr lang="en-US" dirty="0"/>
+          </a:p>
+        </p:txBody>
+      </p:sp>
+      <p:pic>
+        <p:nvPicPr>
+          <p:cNvPr id="7" name="Picture 6">
+            <a:extLst>
+              <a:ext uri="{FF2B5EF4-FFF2-40B4-BE49-F238E27FC236}">
+                <a16:creationId xmlns:a16="http://schemas.microsoft.com/office/drawing/2014/main" id="{7A3AD0E7-8E2B-4E29-AC4C-09FD2AF7DD57}"/>
+              </a:ext>
+            </a:extLst>
+          </p:cNvPr>
+          <p:cNvPicPr>
+            <a:picLocks noChangeAspect="1"/>
+          </p:cNvPicPr>
+          <p:nvPr/>
+        </p:nvPicPr>
+        <p:blipFill rotWithShape="1">
+          <a:blip r:embed="rId2"/>
+          <a:srcRect l="4925" t="2057" b="-1"/>
+          <a:stretch/>
+        </p:blipFill>
+        <p:spPr>
+          <a:xfrm>
+            <a:off x="2997868" y="5135717"/>
+            <a:ext cx="6196264" cy="975600"/>
+          </a:xfrm>
+          <a:prstGeom prst="rect">
+            <a:avLst/>
+          </a:prstGeom>
+        </p:spPr>
+      </p:pic>
+    </p:spTree>
+    <p:extLst>
+      <p:ext uri="{BB962C8B-B14F-4D97-AF65-F5344CB8AC3E}">
+        <p14:creationId xmlns:p14="http://schemas.microsoft.com/office/powerpoint/2010/main" val="3608420494"/>
+      </p:ext>
+    </p:extLst>
+  </p:cSld>
+  <p:clrMapOvr>
+    <a:masterClrMapping/>
+  </p:clrMapOvr>
+</p:sld>
+</file>
+
+<file path=ppt/slides/slide12.xml><?xml version="1.0" encoding="utf-8"?>
+<p:sld xmlns:a="http://schemas.openxmlformats.org/drawingml/2006/main" xmlns:r="http://schemas.openxmlformats.org/officeDocument/2006/relationships" xmlns:p="http://schemas.openxmlformats.org/presentationml/2006/main">
+  <p:cSld>
+    <p:spTree>
+      <p:nvGrpSpPr>
+        <p:cNvPr id="1" name=""/>
+        <p:cNvGrpSpPr/>
+        <p:nvPr/>
+      </p:nvGrpSpPr>
+      <p:grpSpPr>
+        <a:xfrm>
+          <a:off x="0" y="0"/>
+          <a:ext cx="0" cy="0"/>
+          <a:chOff x="0" y="0"/>
+          <a:chExt cx="0" cy="0"/>
+        </a:xfrm>
+      </p:grpSpPr>
+      <p:sp>
+        <p:nvSpPr>
+          <p:cNvPr id="2" name="Title 1">
+            <a:extLst>
+              <a:ext uri="{FF2B5EF4-FFF2-40B4-BE49-F238E27FC236}">
+                <a16:creationId xmlns:a16="http://schemas.microsoft.com/office/drawing/2014/main" id="{8060D4E2-DE7C-4BD1-B298-2425BF3D78CB}"/>
+              </a:ext>
+            </a:extLst>
+          </p:cNvPr>
+          <p:cNvSpPr>
+            <a:spLocks noGrp="1"/>
+          </p:cNvSpPr>
+          <p:nvPr>
+            <p:ph type="title"/>
+          </p:nvPr>
+        </p:nvSpPr>
+        <p:spPr>
+          <a:xfrm>
+            <a:off x="1097280" y="485439"/>
+            <a:ext cx="10058400" cy="1006938"/>
+          </a:xfrm>
+        </p:spPr>
+        <p:txBody>
+          <a:bodyPr/>
+          <a:lstStyle/>
+          <a:p>
+            <a:pPr algn="ctr"/>
+            <a:r>
+              <a:rPr lang="en-US" dirty="0"/>
+              <a:t>Work Cited</a:t>
+            </a:r>
+          </a:p>
+        </p:txBody>
+      </p:sp>
+      <p:sp>
+        <p:nvSpPr>
+          <p:cNvPr id="3" name="Content Placeholder 2">
+            <a:extLst>
+              <a:ext uri="{FF2B5EF4-FFF2-40B4-BE49-F238E27FC236}">
+                <a16:creationId xmlns:a16="http://schemas.microsoft.com/office/drawing/2014/main" id="{43D490D2-0A45-4C26-9055-672A52C449FA}"/>
+              </a:ext>
+            </a:extLst>
+          </p:cNvPr>
+          <p:cNvSpPr>
+            <a:spLocks noGrp="1"/>
+          </p:cNvSpPr>
+          <p:nvPr>
+            <p:ph idx="1"/>
+          </p:nvPr>
+        </p:nvSpPr>
+        <p:spPr>
+          <a:xfrm>
+            <a:off x="1097280" y="2108201"/>
+            <a:ext cx="10058400" cy="3392713"/>
+          </a:xfrm>
+        </p:spPr>
+        <p:txBody>
+          <a:bodyPr>
+            <a:normAutofit/>
+          </a:bodyPr>
+          <a:lstStyle/>
+          <a:p>
+            <a:r>
+              <a:rPr lang="en-US" sz="2200" dirty="0">
+                <a:solidFill>
+                  <a:srgbClr val="000000"/>
+                </a:solidFill>
+                <a:latin typeface="Times New Roman" panose="02020603050405020304" pitchFamily="18" charset="0"/>
+                <a:cs typeface="Times New Roman" panose="02020603050405020304" pitchFamily="18" charset="0"/>
+              </a:rPr>
+              <a:t>GitHub. 2021. </a:t>
+            </a:r>
+            <a:r>
+              <a:rPr lang="en-US" sz="2200" i="1" dirty="0">
+                <a:solidFill>
+                  <a:srgbClr val="000000"/>
+                </a:solidFill>
+                <a:latin typeface="Times New Roman" panose="02020603050405020304" pitchFamily="18" charset="0"/>
+                <a:cs typeface="Times New Roman" panose="02020603050405020304" pitchFamily="18" charset="0"/>
+              </a:rPr>
+              <a:t>covid-19-data/public/data/vaccinations at master · </a:t>
+            </a:r>
+            <a:r>
+              <a:rPr lang="en-US" sz="2200" i="1" dirty="0" err="1">
+                <a:solidFill>
+                  <a:srgbClr val="000000"/>
+                </a:solidFill>
+                <a:latin typeface="Times New Roman" panose="02020603050405020304" pitchFamily="18" charset="0"/>
+                <a:cs typeface="Times New Roman" panose="02020603050405020304" pitchFamily="18" charset="0"/>
+              </a:rPr>
+              <a:t>owid</a:t>
+            </a:r>
+            <a:r>
+              <a:rPr lang="en-US" sz="2200" i="1" dirty="0">
+                <a:solidFill>
+                  <a:srgbClr val="000000"/>
+                </a:solidFill>
+                <a:latin typeface="Times New Roman" panose="02020603050405020304" pitchFamily="18" charset="0"/>
+                <a:cs typeface="Times New Roman" panose="02020603050405020304" pitchFamily="18" charset="0"/>
+              </a:rPr>
+              <a:t>/covid-19-data</a:t>
+            </a:r>
+            <a:r>
+              <a:rPr lang="en-US" sz="2200" dirty="0">
+                <a:solidFill>
+                  <a:srgbClr val="000000"/>
+                </a:solidFill>
+                <a:latin typeface="Times New Roman" panose="02020603050405020304" pitchFamily="18" charset="0"/>
+                <a:cs typeface="Times New Roman" panose="02020603050405020304" pitchFamily="18" charset="0"/>
+              </a:rPr>
+              <a:t>. 	[online] Available at: &lt;https://github.com/owid/covid-19-	data/tree/master/public/data/vaccinations&gt; [Accessed 20 October 2021]. </a:t>
+            </a:r>
+            <a:endParaRPr lang="en-US" sz="2200" dirty="0">
+              <a:solidFill>
+                <a:srgbClr val="1D1C1D"/>
+              </a:solidFill>
+              <a:latin typeface="Times New Roman" panose="02020603050405020304" pitchFamily="18" charset="0"/>
+              <a:cs typeface="Times New Roman" panose="02020603050405020304" pitchFamily="18" charset="0"/>
+            </a:endParaRPr>
+          </a:p>
+          <a:p>
+            <a:endParaRPr lang="en-US" sz="2200" dirty="0">
+              <a:solidFill>
+                <a:srgbClr val="000000"/>
+              </a:solidFill>
+              <a:latin typeface="Times New Roman" panose="02020603050405020304" pitchFamily="18" charset="0"/>
+              <a:cs typeface="Times New Roman" panose="02020603050405020304" pitchFamily="18" charset="0"/>
+            </a:endParaRPr>
+          </a:p>
+          <a:p>
+            <a:r>
+              <a:rPr lang="en-US" sz="2200" b="0" i="0" dirty="0">
+                <a:solidFill>
+                  <a:srgbClr val="000000"/>
+                </a:solidFill>
+                <a:effectLst/>
+                <a:latin typeface="Times New Roman" panose="02020603050405020304" pitchFamily="18" charset="0"/>
+                <a:cs typeface="Times New Roman" panose="02020603050405020304" pitchFamily="18" charset="0"/>
+              </a:rPr>
+              <a:t>Kaggle.com. 2021. </a:t>
+            </a:r>
+            <a:r>
+              <a:rPr lang="en-US" sz="2200" b="0" i="1" dirty="0">
+                <a:solidFill>
+                  <a:srgbClr val="000000"/>
+                </a:solidFill>
+                <a:effectLst/>
+                <a:latin typeface="Times New Roman" panose="02020603050405020304" pitchFamily="18" charset="0"/>
+                <a:cs typeface="Times New Roman" panose="02020603050405020304" pitchFamily="18" charset="0"/>
+              </a:rPr>
+              <a:t>US Vaccine Tracker</a:t>
+            </a:r>
+            <a:r>
+              <a:rPr lang="en-US" sz="2200" b="0" i="0" dirty="0">
+                <a:solidFill>
+                  <a:srgbClr val="000000"/>
+                </a:solidFill>
+                <a:effectLst/>
+                <a:latin typeface="Times New Roman" panose="02020603050405020304" pitchFamily="18" charset="0"/>
+                <a:cs typeface="Times New Roman" panose="02020603050405020304" pitchFamily="18" charset="0"/>
+              </a:rPr>
+              <a:t>. [online] Available at: 	&lt;https://www.kaggle.com/peretzcohen/us-vaccine-tracker&gt; [Accessed 20 	October 2021].</a:t>
+            </a:r>
+          </a:p>
+        </p:txBody>
+      </p:sp>
+    </p:spTree>
+    <p:extLst>
+      <p:ext uri="{BB962C8B-B14F-4D97-AF65-F5344CB8AC3E}">
+        <p14:creationId xmlns:p14="http://schemas.microsoft.com/office/powerpoint/2010/main" val="548794418"/>
+      </p:ext>
+    </p:extLst>
+  </p:cSld>
+  <p:clrMapOvr>
+    <a:masterClrMapping/>
+  </p:clrMapOvr>
+</p:sld>
+</file>
+
+<file path=ppt/slides/slide13.xml><?xml version="1.0" encoding="utf-8"?>
+<p:sld xmlns:a="http://schemas.openxmlformats.org/drawingml/2006/main" xmlns:r="http://schemas.openxmlformats.org/officeDocument/2006/relationships" xmlns:p="http://schemas.openxmlformats.org/presentationml/2006/main">
+  <p:cSld>
     <p:bg>
       <p:bgPr>
         <a:solidFill>
@@ -4401,7 +4948,7 @@
         </p:nvSpPr>
         <p:spPr>
           <a:xfrm>
-            <a:off x="1097280" y="2430966"/>
+            <a:off x="1097280" y="2559205"/>
             <a:ext cx="10058400" cy="1739590"/>
           </a:xfrm>
         </p:spPr>
@@ -4420,7 +4967,16 @@
                 <a:effectLst/>
                 <a:latin typeface="Slack-Lato"/>
               </a:rPr>
-              <a:t>Our project is to uncover patterns in population vaccinations in USA regarding region, percentage of administered dosages, age group, and distribution. </a:t>
+              <a:t>Our project is to uncover patterns in population vaccinations in USA regarding region, percentage of administered to distributed dosages, age group</a:t>
+            </a:r>
+            <a:r>
+              <a:rPr lang="en-US" sz="2800" dirty="0">
+                <a:solidFill>
+                  <a:srgbClr val="1D1C1D"/>
+                </a:solidFill>
+                <a:latin typeface="Slack-Lato"/>
+              </a:rPr>
+              <a:t>s.</a:t>
             </a:r>
             <a:endParaRPr lang="en-US" sz="2800" dirty="0"/>
           </a:p>
@@ -4595,7 +5151,7 @@
           <p:cNvPr id="2" name="Title 1">
             <a:extLst>
               <a:ext uri="{FF2B5EF4-FFF2-40B4-BE49-F238E27FC236}">
-                <a16:creationId xmlns:a16="http://schemas.microsoft.com/office/drawing/2014/main" id="{2D2FCDC6-0718-4E70-BAE7-1D8412B8F732}"/>
+                <a16:creationId xmlns:a16="http://schemas.microsoft.com/office/drawing/2014/main" id="{F671A756-EE23-4545-9CC4-EBBB2B2896DD}"/>
               </a:ext>
             </a:extLst>
           </p:cNvPr>
@@ -4608,142 +5164,156 @@
         </p:nvSpPr>
         <p:spPr>
           <a:xfrm>
-            <a:off x="643466" y="786383"/>
-            <a:ext cx="3517567" cy="3136260"/>
-          </a:xfrm>
-        </p:spPr>
-        <p:txBody>
-          <a:bodyPr anchor="b">
-            <a:normAutofit/>
+            <a:off x="1097280" y="286604"/>
+            <a:ext cx="10058400" cy="1277154"/>
+          </a:xfrm>
+        </p:spPr>
+        <p:txBody>
+          <a:bodyPr/>
+          <a:lstStyle/>
+          <a:p>
+            <a:pPr algn="ctr"/>
+            <a:r>
+              <a:rPr lang="en-US" dirty="0"/>
+              <a:t>Dataset Selected &amp; Cleaning</a:t>
+            </a:r>
+          </a:p>
+        </p:txBody>
+      </p:sp>
+      <p:sp>
+        <p:nvSpPr>
+          <p:cNvPr id="3" name="Content Placeholder 2">
+            <a:extLst>
+              <a:ext uri="{FF2B5EF4-FFF2-40B4-BE49-F238E27FC236}">
+                <a16:creationId xmlns:a16="http://schemas.microsoft.com/office/drawing/2014/main" id="{CD3E4C87-9E05-4D56-8C18-5155184D37B2}"/>
+              </a:ext>
+            </a:extLst>
+          </p:cNvPr>
+          <p:cNvSpPr>
+            <a:spLocks noGrp="1"/>
+          </p:cNvSpPr>
+          <p:nvPr>
+            <p:ph idx="1"/>
+          </p:nvPr>
+        </p:nvSpPr>
+        <p:spPr>
+          <a:xfrm>
+            <a:off x="829586" y="2264229"/>
+            <a:ext cx="10532828" cy="3367314"/>
+          </a:xfrm>
+        </p:spPr>
+        <p:txBody>
+          <a:bodyPr>
+            <a:normAutofit lnSpcReduction="10000"/>
           </a:bodyPr>
           <a:lstStyle/>
           <a:p>
             <a:pPr algn="ctr"/>
             <a:r>
-              <a:rPr lang="en-US" sz="2800" dirty="0"/>
-              <a:t>1. How many vaccine doses were administered per region?</a:t>
-            </a:r>
-          </a:p>
-        </p:txBody>
-      </p:sp>
-      <p:pic>
-        <p:nvPicPr>
-          <p:cNvPr id="4" name="Picture 3" descr="Graphical user interface, application&#10;&#10;Description automatically generated">
-            <a:extLst>
-              <a:ext uri="{FF2B5EF4-FFF2-40B4-BE49-F238E27FC236}">
-                <a16:creationId xmlns:a16="http://schemas.microsoft.com/office/drawing/2014/main" id="{1C4F2036-77B6-492C-BCB5-63ADEB0AD47B}"/>
-              </a:ext>
-            </a:extLst>
-          </p:cNvPr>
-          <p:cNvPicPr>
-            <a:picLocks noChangeAspect="1"/>
-          </p:cNvPicPr>
-          <p:nvPr/>
-        </p:nvPicPr>
-        <p:blipFill rotWithShape="1">
-          <a:blip r:embed="rId2"/>
-          <a:srcRect l="12019" t="29362" r="59135" b="28449"/>
-          <a:stretch/>
-        </p:blipFill>
-        <p:spPr bwMode="auto">
-          <a:xfrm>
-            <a:off x="6284252" y="901148"/>
-            <a:ext cx="4559342" cy="3750923"/>
-          </a:xfrm>
-          <a:prstGeom prst="rect">
-            <a:avLst/>
-          </a:prstGeom>
-          <a:noFill/>
-          <a:ln>
-            <a:noFill/>
-          </a:ln>
-          <a:extLst>
-            <a:ext uri="{53640926-AAD7-44D8-BBD7-CCE9431645EC}">
-              <a14:shadowObscured xmlns:a14="http://schemas.microsoft.com/office/drawing/2010/main"/>
-            </a:ext>
-          </a:extLst>
-        </p:spPr>
-      </p:pic>
-      <p:sp>
-        <p:nvSpPr>
-          <p:cNvPr id="3" name="Rectangle 2">
-            <a:extLst>
-              <a:ext uri="{FF2B5EF4-FFF2-40B4-BE49-F238E27FC236}">
-                <a16:creationId xmlns:a16="http://schemas.microsoft.com/office/drawing/2014/main" id="{E84612AC-1386-42F6-842D-96B5CF4134C5}"/>
-              </a:ext>
-            </a:extLst>
-          </p:cNvPr>
-          <p:cNvSpPr/>
-          <p:nvPr/>
-        </p:nvSpPr>
-        <p:spPr>
-          <a:xfrm>
-            <a:off x="6523165" y="127112"/>
-            <a:ext cx="4081519" cy="774036"/>
-          </a:xfrm>
-          <a:prstGeom prst="rect">
-            <a:avLst/>
-          </a:prstGeom>
-        </p:spPr>
-        <p:style>
-          <a:lnRef idx="2">
-            <a:schemeClr val="accent6"/>
-          </a:lnRef>
-          <a:fillRef idx="1">
-            <a:schemeClr val="lt1"/>
-          </a:fillRef>
-          <a:effectRef idx="0">
-            <a:schemeClr val="accent6"/>
-          </a:effectRef>
-          <a:fontRef idx="minor">
-            <a:schemeClr val="dk1"/>
-          </a:fontRef>
-        </p:style>
-        <p:txBody>
-          <a:bodyPr rtlCol="0" anchor="ctr"/>
-          <a:lstStyle/>
+              <a:rPr lang="en-US" sz="2400" dirty="0">
+                <a:solidFill>
+                  <a:srgbClr val="1D1C1D"/>
+                </a:solidFill>
+                <a:latin typeface="Slack-Lato"/>
+              </a:rPr>
+              <a:t>Kaggle US Tracker Data: </a:t>
+            </a:r>
+          </a:p>
           <a:p>
             <a:pPr algn="ctr"/>
             <a:r>
-              <a:rPr lang="en-US" dirty="0"/>
-              <a:t>Total Administrated and Distributed Vaccine in US</a:t>
-            </a:r>
-          </a:p>
-        </p:txBody>
-      </p:sp>
-      <p:pic>
-        <p:nvPicPr>
-          <p:cNvPr id="6" name="Picture 5">
-            <a:extLst>
-              <a:ext uri="{FF2B5EF4-FFF2-40B4-BE49-F238E27FC236}">
-                <a16:creationId xmlns:a16="http://schemas.microsoft.com/office/drawing/2014/main" id="{FFCB2230-9A57-4D79-A63D-6EDDBE4ABD32}"/>
-              </a:ext>
-            </a:extLst>
-          </p:cNvPr>
-          <p:cNvPicPr>
-            <a:picLocks noChangeAspect="1"/>
-          </p:cNvPicPr>
-          <p:nvPr/>
-        </p:nvPicPr>
-        <p:blipFill rotWithShape="1">
-          <a:blip r:embed="rId3"/>
-          <a:srcRect l="26957" t="22981" r="48261" b="53625"/>
-          <a:stretch/>
-        </p:blipFill>
-        <p:spPr>
-          <a:xfrm>
-            <a:off x="6626955" y="4652071"/>
-            <a:ext cx="3873937" cy="2055905"/>
-          </a:xfrm>
-          <a:prstGeom prst="rect">
-            <a:avLst/>
-          </a:prstGeom>
-        </p:spPr>
-      </p:pic>
+              <a:rPr lang="en-US" sz="2400" dirty="0">
+                <a:solidFill>
+                  <a:srgbClr val="002060"/>
+                </a:solidFill>
+                <a:latin typeface="Slack-Lato"/>
+                <a:hlinkClick r:id="rId2">
+                  <a:extLst>
+                    <a:ext uri="{A12FA001-AC4F-418D-AE19-62706E023703}">
+                      <ahyp:hlinkClr xmlns:ahyp="http://schemas.microsoft.com/office/drawing/2018/hyperlinkcolor" val="tx"/>
+                    </a:ext>
+                  </a:extLst>
+                </a:hlinkClick>
+              </a:rPr>
+              <a:t>https://www.kaggle.com/peretzcohen/us-vaccine-tracker</a:t>
+            </a:r>
+            <a:r>
+              <a:rPr lang="en-US" sz="2400" dirty="0">
+                <a:solidFill>
+                  <a:srgbClr val="002060"/>
+                </a:solidFill>
+                <a:latin typeface="Slack-Lato"/>
+              </a:rPr>
+              <a:t> </a:t>
+            </a:r>
+          </a:p>
+          <a:p>
+            <a:pPr algn="ctr"/>
+            <a:r>
+              <a:rPr lang="en-US" sz="2400" dirty="0">
+                <a:solidFill>
+                  <a:srgbClr val="002060"/>
+                </a:solidFill>
+                <a:latin typeface="Slack-Lato"/>
+                <a:hlinkClick r:id="rId3">
+                  <a:extLst>
+                    <a:ext uri="{A12FA001-AC4F-418D-AE19-62706E023703}">
+                      <ahyp:hlinkClr xmlns:ahyp="http://schemas.microsoft.com/office/drawing/2018/hyperlinkcolor" val="tx"/>
+                    </a:ext>
+                  </a:extLst>
+                </a:hlinkClick>
+              </a:rPr>
+              <a:t>https://github.com/owid/covid-19-data/tree/master/public/data/vaccinations</a:t>
+            </a:r>
+            <a:r>
+              <a:rPr lang="en-US" sz="2400" dirty="0">
+                <a:solidFill>
+                  <a:srgbClr val="002060"/>
+                </a:solidFill>
+                <a:latin typeface="Slack-Lato"/>
+              </a:rPr>
+              <a:t>  </a:t>
+            </a:r>
+          </a:p>
+          <a:p>
+            <a:pPr algn="ctr"/>
+            <a:endParaRPr lang="en-US" sz="2400" dirty="0">
+              <a:solidFill>
+                <a:srgbClr val="1D1C1D"/>
+              </a:solidFill>
+              <a:latin typeface="Slack-Lato"/>
+            </a:endParaRPr>
+          </a:p>
+          <a:p>
+            <a:pPr algn="ctr"/>
+            <a:r>
+              <a:rPr lang="en-US" sz="2400" dirty="0">
+                <a:solidFill>
+                  <a:srgbClr val="1D1C1D"/>
+                </a:solidFill>
+                <a:latin typeface="Slack-Lato"/>
+              </a:rPr>
+              <a:t>Repository: </a:t>
+            </a:r>
+          </a:p>
+          <a:p>
+            <a:pPr algn="ctr"/>
+            <a:r>
+              <a:rPr lang="en-US" sz="2400" u="sng" dirty="0">
+                <a:solidFill>
+                  <a:srgbClr val="002060"/>
+                </a:solidFill>
+                <a:latin typeface="Slack-Lato"/>
+              </a:rPr>
+              <a:t>https://github.com/Ramsha2025/US-Vaccine-Tracker-Challenge</a:t>
+            </a:r>
+          </a:p>
+        </p:txBody>
+      </p:sp>
     </p:spTree>
     <p:extLst>
       <p:ext uri="{BB962C8B-B14F-4D97-AF65-F5344CB8AC3E}">
-        <p14:creationId xmlns:p14="http://schemas.microsoft.com/office/powerpoint/2010/main" val="1998432295"/>
+        <p14:creationId xmlns:p14="http://schemas.microsoft.com/office/powerpoint/2010/main" val="1215222233"/>
       </p:ext>
     </p:extLst>
   </p:cSld>
@@ -4775,7 +5345,7 @@
           <p:cNvPr id="2" name="Title 1">
             <a:extLst>
               <a:ext uri="{FF2B5EF4-FFF2-40B4-BE49-F238E27FC236}">
-                <a16:creationId xmlns:a16="http://schemas.microsoft.com/office/drawing/2014/main" id="{51536383-10B7-4C54-809C-E8B6C9DC6DB7}"/>
+                <a16:creationId xmlns:a16="http://schemas.microsoft.com/office/drawing/2014/main" id="{2D2FCDC6-0718-4E70-BAE7-1D8412B8F732}"/>
               </a:ext>
             </a:extLst>
           </p:cNvPr>
@@ -4788,24 +5358,20 @@
         </p:nvSpPr>
         <p:spPr>
           <a:xfrm>
-            <a:off x="1097280" y="286604"/>
-            <a:ext cx="10058400" cy="1296870"/>
-          </a:xfrm>
-        </p:spPr>
-        <p:txBody>
-          <a:bodyPr>
-            <a:noAutofit/>
+            <a:off x="643466" y="786383"/>
+            <a:ext cx="3517567" cy="3136260"/>
+          </a:xfrm>
+        </p:spPr>
+        <p:txBody>
+          <a:bodyPr anchor="b">
+            <a:normAutofit/>
           </a:bodyPr>
           <a:lstStyle/>
           <a:p>
             <a:pPr algn="ctr"/>
             <a:r>
-              <a:rPr lang="en-US" sz="3600" dirty="0">
-                <a:solidFill>
-                  <a:srgbClr val="1D1C1D"/>
-                </a:solidFill>
-              </a:rPr>
-              <a:t>2. Which region has the highest percent of doses administered?</a:t>
+              <a:rPr lang="en-US" sz="2800" dirty="0"/>
+              <a:t>1. How many vaccine doses were administered per region?</a:t>
             </a:r>
           </a:p>
         </p:txBody>
@@ -4815,7 +5381,7 @@
           <p:cNvPr id="4" name="Picture 3" descr="Graphical user interface, application&#10;&#10;Description automatically generated">
             <a:extLst>
               <a:ext uri="{FF2B5EF4-FFF2-40B4-BE49-F238E27FC236}">
-                <a16:creationId xmlns:a16="http://schemas.microsoft.com/office/drawing/2014/main" id="{BB41436E-AD2C-4425-865E-33234E7750B0}"/>
+                <a16:creationId xmlns:a16="http://schemas.microsoft.com/office/drawing/2014/main" id="{1C4F2036-77B6-492C-BCB5-63ADEB0AD47B}"/>
               </a:ext>
             </a:extLst>
           </p:cNvPr>
@@ -4826,17 +5392,18 @@
         </p:nvPicPr>
         <p:blipFill rotWithShape="1">
           <a:blip r:embed="rId2"/>
-          <a:srcRect l="11859" t="19099" r="63301" b="48974"/>
+          <a:srcRect l="12019" t="29362" r="59135" b="28449"/>
           <a:stretch/>
         </p:blipFill>
         <p:spPr bwMode="auto">
           <a:xfrm>
-            <a:off x="1502108" y="2411896"/>
-            <a:ext cx="4089105" cy="2954709"/>
+            <a:off x="6284252" y="901148"/>
+            <a:ext cx="4559342" cy="3750923"/>
           </a:xfrm>
           <a:prstGeom prst="rect">
             <a:avLst/>
           </a:prstGeom>
+          <a:noFill/>
           <a:ln>
             <a:noFill/>
           </a:ln>
@@ -4847,12 +5414,59 @@
           </a:extLst>
         </p:spPr>
       </p:pic>
+      <p:sp>
+        <p:nvSpPr>
+          <p:cNvPr id="3" name="Rectangle 2">
+            <a:extLst>
+              <a:ext uri="{FF2B5EF4-FFF2-40B4-BE49-F238E27FC236}">
+                <a16:creationId xmlns:a16="http://schemas.microsoft.com/office/drawing/2014/main" id="{E84612AC-1386-42F6-842D-96B5CF4134C5}"/>
+              </a:ext>
+            </a:extLst>
+          </p:cNvPr>
+          <p:cNvSpPr/>
+          <p:nvPr/>
+        </p:nvSpPr>
+        <p:spPr>
+          <a:xfrm>
+            <a:off x="6523165" y="127112"/>
+            <a:ext cx="4081519" cy="774036"/>
+          </a:xfrm>
+          <a:prstGeom prst="rect">
+            <a:avLst/>
+          </a:prstGeom>
+        </p:spPr>
+        <p:style>
+          <a:lnRef idx="2">
+            <a:schemeClr val="accent6"/>
+          </a:lnRef>
+          <a:fillRef idx="1">
+            <a:schemeClr val="lt1"/>
+          </a:fillRef>
+          <a:effectRef idx="0">
+            <a:schemeClr val="accent6"/>
+          </a:effectRef>
+          <a:fontRef idx="minor">
+            <a:schemeClr val="dk1"/>
+          </a:fontRef>
+        </p:style>
+        <p:txBody>
+          <a:bodyPr rtlCol="0" anchor="ctr"/>
+          <a:lstStyle/>
+          <a:p>
+            <a:pPr algn="ctr"/>
+            <a:r>
+              <a:rPr lang="en-US" dirty="0"/>
+              <a:t>Total Administrated and Distributed Vaccine in US</a:t>
+            </a:r>
+          </a:p>
+        </p:txBody>
+      </p:sp>
       <p:pic>
         <p:nvPicPr>
-          <p:cNvPr id="5" name="Picture 4" descr="Graphical user interface, text, application&#10;&#10;Description automatically generated">
-            <a:extLst>
-              <a:ext uri="{FF2B5EF4-FFF2-40B4-BE49-F238E27FC236}">
-                <a16:creationId xmlns:a16="http://schemas.microsoft.com/office/drawing/2014/main" id="{C9EBCE00-F1B3-4FDB-92D3-F520ADB94203}"/>
+          <p:cNvPr id="6" name="Picture 5">
+            <a:extLst>
+              <a:ext uri="{FF2B5EF4-FFF2-40B4-BE49-F238E27FC236}">
+                <a16:creationId xmlns:a16="http://schemas.microsoft.com/office/drawing/2014/main" id="{FFCB2230-9A57-4D79-A63D-6EDDBE4ABD32}"/>
               </a:ext>
             </a:extLst>
           </p:cNvPr>
@@ -4863,31 +5477,52 @@
         </p:nvPicPr>
         <p:blipFill rotWithShape="1">
           <a:blip r:embed="rId3"/>
-          <a:srcRect l="10898" t="23375" r="63942" b="43843"/>
+          <a:srcRect l="26957" t="30514" r="48261" b="53625"/>
           <a:stretch/>
         </p:blipFill>
-        <p:spPr bwMode="auto">
-          <a:xfrm>
-            <a:off x="6655186" y="2408920"/>
-            <a:ext cx="4034706" cy="2957685"/>
+        <p:spPr>
+          <a:xfrm>
+            <a:off x="6626955" y="5314122"/>
+            <a:ext cx="3873937" cy="1393854"/>
           </a:xfrm>
           <a:prstGeom prst="rect">
             <a:avLst/>
           </a:prstGeom>
-          <a:ln>
-            <a:noFill/>
-          </a:ln>
-          <a:extLst>
-            <a:ext uri="{53640926-AAD7-44D8-BBD7-CCE9431645EC}">
-              <a14:shadowObscured xmlns:a14="http://schemas.microsoft.com/office/drawing/2010/main"/>
-            </a:ext>
-          </a:extLst>
+        </p:spPr>
+      </p:pic>
+      <p:pic>
+        <p:nvPicPr>
+          <p:cNvPr id="7" name="Picture 6">
+            <a:extLst>
+              <a:ext uri="{FF2B5EF4-FFF2-40B4-BE49-F238E27FC236}">
+                <a16:creationId xmlns:a16="http://schemas.microsoft.com/office/drawing/2014/main" id="{7E82E3AE-7EFD-4BF6-B66B-A86A40993286}"/>
+              </a:ext>
+            </a:extLst>
+          </p:cNvPr>
+          <p:cNvPicPr>
+            <a:picLocks noChangeAspect="1"/>
+          </p:cNvPicPr>
+          <p:nvPr/>
+        </p:nvPicPr>
+        <p:blipFill rotWithShape="1">
+          <a:blip r:embed="rId3"/>
+          <a:srcRect l="26957" t="22981" r="48261" b="73622"/>
+          <a:stretch/>
+        </p:blipFill>
+        <p:spPr>
+          <a:xfrm>
+            <a:off x="6626955" y="5015597"/>
+            <a:ext cx="3873937" cy="298525"/>
+          </a:xfrm>
+          <a:prstGeom prst="rect">
+            <a:avLst/>
+          </a:prstGeom>
         </p:spPr>
       </p:pic>
     </p:spTree>
     <p:extLst>
       <p:ext uri="{BB962C8B-B14F-4D97-AF65-F5344CB8AC3E}">
-        <p14:creationId xmlns:p14="http://schemas.microsoft.com/office/powerpoint/2010/main" val="1651715336"/>
+        <p14:creationId xmlns:p14="http://schemas.microsoft.com/office/powerpoint/2010/main" val="1998432295"/>
       </p:ext>
     </p:extLst>
   </p:cSld>
@@ -4919,7 +5554,7 @@
           <p:cNvPr id="2" name="Title 1">
             <a:extLst>
               <a:ext uri="{FF2B5EF4-FFF2-40B4-BE49-F238E27FC236}">
-                <a16:creationId xmlns:a16="http://schemas.microsoft.com/office/drawing/2014/main" id="{3CDD60CE-A125-4EE4-8D6B-41021C83DC89}"/>
+                <a16:creationId xmlns:a16="http://schemas.microsoft.com/office/drawing/2014/main" id="{51536383-10B7-4C54-809C-E8B6C9DC6DB7}"/>
               </a:ext>
             </a:extLst>
           </p:cNvPr>
@@ -4932,29 +5567,34 @@
         </p:nvSpPr>
         <p:spPr>
           <a:xfrm>
-            <a:off x="643466" y="786383"/>
-            <a:ext cx="3517567" cy="3454313"/>
-          </a:xfrm>
-        </p:spPr>
-        <p:txBody>
-          <a:bodyPr anchor="b">
-            <a:normAutofit/>
+            <a:off x="1097280" y="286604"/>
+            <a:ext cx="10058400" cy="1296870"/>
+          </a:xfrm>
+        </p:spPr>
+        <p:txBody>
+          <a:bodyPr>
+            <a:noAutofit/>
           </a:bodyPr>
           <a:lstStyle/>
           <a:p>
-            <a:r>
-              <a:rPr lang="en-US" dirty="0"/>
-              <a:t>3. Which vaccine was distributed the most?</a:t>
+            <a:pPr algn="ctr"/>
+            <a:r>
+              <a:rPr lang="en-US" sz="3600" dirty="0">
+                <a:solidFill>
+                  <a:srgbClr val="1D1C1D"/>
+                </a:solidFill>
+              </a:rPr>
+              <a:t>2. Which region has the highest percent of doses administered?</a:t>
             </a:r>
           </a:p>
         </p:txBody>
       </p:sp>
       <p:pic>
         <p:nvPicPr>
-          <p:cNvPr id="6" name="Picture 5">
-            <a:extLst>
-              <a:ext uri="{FF2B5EF4-FFF2-40B4-BE49-F238E27FC236}">
-                <a16:creationId xmlns:a16="http://schemas.microsoft.com/office/drawing/2014/main" id="{6ED65CB7-0B73-4A5D-BB0A-68DE4EBF8742}"/>
+          <p:cNvPr id="4" name="Picture 3" descr="Graphical user interface, application&#10;&#10;Description automatically generated">
+            <a:extLst>
+              <a:ext uri="{FF2B5EF4-FFF2-40B4-BE49-F238E27FC236}">
+                <a16:creationId xmlns:a16="http://schemas.microsoft.com/office/drawing/2014/main" id="{BB41436E-AD2C-4425-865E-33234E7750B0}"/>
               </a:ext>
             </a:extLst>
           </p:cNvPr>
@@ -4965,25 +5605,33 @@
         </p:nvPicPr>
         <p:blipFill rotWithShape="1">
           <a:blip r:embed="rId2"/>
-          <a:srcRect l="25956" t="26040" r="45192" b="33325"/>
+          <a:srcRect l="11859" t="19099" r="63301" b="48974"/>
           <a:stretch/>
         </p:blipFill>
-        <p:spPr>
-          <a:xfrm>
-            <a:off x="5668100" y="305810"/>
-            <a:ext cx="5471270" cy="4332451"/>
+        <p:spPr bwMode="auto">
+          <a:xfrm>
+            <a:off x="6608050" y="2544418"/>
+            <a:ext cx="4089105" cy="2954709"/>
           </a:xfrm>
           <a:prstGeom prst="rect">
             <a:avLst/>
           </a:prstGeom>
+          <a:ln>
+            <a:noFill/>
+          </a:ln>
+          <a:extLst>
+            <a:ext uri="{53640926-AAD7-44D8-BBD7-CCE9431645EC}">
+              <a14:shadowObscured xmlns:a14="http://schemas.microsoft.com/office/drawing/2010/main"/>
+            </a:ext>
+          </a:extLst>
         </p:spPr>
       </p:pic>
       <p:pic>
         <p:nvPicPr>
-          <p:cNvPr id="8" name="Picture 7">
-            <a:extLst>
-              <a:ext uri="{FF2B5EF4-FFF2-40B4-BE49-F238E27FC236}">
-                <a16:creationId xmlns:a16="http://schemas.microsoft.com/office/drawing/2014/main" id="{0E3B63DE-4754-4086-BA8B-2AD8BCEA5089}"/>
+          <p:cNvPr id="5" name="Picture 4" descr="Graphical user interface, text, application&#10;&#10;Description automatically generated">
+            <a:extLst>
+              <a:ext uri="{FF2B5EF4-FFF2-40B4-BE49-F238E27FC236}">
+                <a16:creationId xmlns:a16="http://schemas.microsoft.com/office/drawing/2014/main" id="{C9EBCE00-F1B3-4FDB-92D3-F520ADB94203}"/>
               </a:ext>
             </a:extLst>
           </p:cNvPr>
@@ -4994,23 +5642,31 @@
         </p:nvPicPr>
         <p:blipFill rotWithShape="1">
           <a:blip r:embed="rId3"/>
-          <a:srcRect l="28144" t="43895" r="54424" b="40302"/>
+          <a:srcRect l="10898" t="23375" r="63942" b="43843"/>
           <a:stretch/>
         </p:blipFill>
-        <p:spPr>
-          <a:xfrm>
-            <a:off x="6873302" y="4992202"/>
-            <a:ext cx="3060866" cy="1559988"/>
+        <p:spPr bwMode="auto">
+          <a:xfrm>
+            <a:off x="1494845" y="2544418"/>
+            <a:ext cx="4034706" cy="2957685"/>
           </a:xfrm>
           <a:prstGeom prst="rect">
             <a:avLst/>
           </a:prstGeom>
+          <a:ln>
+            <a:noFill/>
+          </a:ln>
+          <a:extLst>
+            <a:ext uri="{53640926-AAD7-44D8-BBD7-CCE9431645EC}">
+              <a14:shadowObscured xmlns:a14="http://schemas.microsoft.com/office/drawing/2010/main"/>
+            </a:ext>
+          </a:extLst>
         </p:spPr>
       </p:pic>
     </p:spTree>
     <p:extLst>
       <p:ext uri="{BB962C8B-B14F-4D97-AF65-F5344CB8AC3E}">
-        <p14:creationId xmlns:p14="http://schemas.microsoft.com/office/powerpoint/2010/main" val="2002337304"/>
+        <p14:creationId xmlns:p14="http://schemas.microsoft.com/office/powerpoint/2010/main" val="1651715336"/>
       </p:ext>
     </p:extLst>
   </p:cSld>
@@ -5042,7 +5698,7 @@
           <p:cNvPr id="2" name="Title 1">
             <a:extLst>
               <a:ext uri="{FF2B5EF4-FFF2-40B4-BE49-F238E27FC236}">
-                <a16:creationId xmlns:a16="http://schemas.microsoft.com/office/drawing/2014/main" id="{D047D57B-71B9-4808-9023-64A0E92DD561}"/>
+                <a16:creationId xmlns:a16="http://schemas.microsoft.com/office/drawing/2014/main" id="{5DCF0F74-76DA-4AC9-B0E2-3CA51809E4D6}"/>
               </a:ext>
             </a:extLst>
           </p:cNvPr>
@@ -5055,29 +5711,28 @@
         </p:nvSpPr>
         <p:spPr>
           <a:xfrm>
-            <a:off x="643466" y="786383"/>
-            <a:ext cx="3517567" cy="3494069"/>
-          </a:xfrm>
-        </p:spPr>
-        <p:txBody>
-          <a:bodyPr anchor="b">
-            <a:normAutofit/>
-          </a:bodyPr>
-          <a:lstStyle/>
-          <a:p>
-            <a:r>
-              <a:rPr lang="en-US" sz="2500" dirty="0"/>
-              <a:t>4. Which population according to age group has a higher percentage of people vaccinated? </a:t>
+            <a:off x="1097280" y="286603"/>
+            <a:ext cx="10058400" cy="1150311"/>
+          </a:xfrm>
+        </p:spPr>
+        <p:txBody>
+          <a:bodyPr/>
+          <a:lstStyle/>
+          <a:p>
+            <a:pPr algn="ctr"/>
+            <a:r>
+              <a:rPr lang="en-US" dirty="0"/>
+              <a:t>Region</a:t>
             </a:r>
           </a:p>
         </p:txBody>
       </p:sp>
       <p:pic>
         <p:nvPicPr>
-          <p:cNvPr id="13" name="Picture 12">
-            <a:extLst>
-              <a:ext uri="{FF2B5EF4-FFF2-40B4-BE49-F238E27FC236}">
-                <a16:creationId xmlns:a16="http://schemas.microsoft.com/office/drawing/2014/main" id="{E82F6E71-57A2-48C9-B41C-7A787C17D191}"/>
+          <p:cNvPr id="9" name="Picture 8">
+            <a:extLst>
+              <a:ext uri="{FF2B5EF4-FFF2-40B4-BE49-F238E27FC236}">
+                <a16:creationId xmlns:a16="http://schemas.microsoft.com/office/drawing/2014/main" id="{6F7CDBFE-085F-4E8B-B0B8-BB72A3809DE1}"/>
               </a:ext>
             </a:extLst>
           </p:cNvPr>
@@ -5088,13 +5743,13 @@
         </p:nvPicPr>
         <p:blipFill rotWithShape="1">
           <a:blip r:embed="rId2"/>
-          <a:srcRect l="25841" t="22961" r="45308" b="34146"/>
+          <a:srcRect l="11786" t="20939" r="61071" b="37348"/>
           <a:stretch/>
         </p:blipFill>
         <p:spPr>
           <a:xfrm>
-            <a:off x="6096000" y="378167"/>
-            <a:ext cx="5162146" cy="4314765"/>
+            <a:off x="1262742" y="2144485"/>
+            <a:ext cx="4194629" cy="3624308"/>
           </a:xfrm>
           <a:prstGeom prst="rect">
             <a:avLst/>
@@ -5103,10 +5758,10 @@
       </p:pic>
       <p:pic>
         <p:nvPicPr>
-          <p:cNvPr id="15" name="Picture 14">
-            <a:extLst>
-              <a:ext uri="{FF2B5EF4-FFF2-40B4-BE49-F238E27FC236}">
-                <a16:creationId xmlns:a16="http://schemas.microsoft.com/office/drawing/2014/main" id="{4542EC60-2EA6-48B9-94CF-9557F83C23E9}"/>
+          <p:cNvPr id="11" name="Picture 10">
+            <a:extLst>
+              <a:ext uri="{FF2B5EF4-FFF2-40B4-BE49-F238E27FC236}">
+                <a16:creationId xmlns:a16="http://schemas.microsoft.com/office/drawing/2014/main" id="{B585B7F9-418F-49DD-96FA-E60C9C716E25}"/>
               </a:ext>
             </a:extLst>
           </p:cNvPr>
@@ -5117,13 +5772,13 @@
         </p:nvPicPr>
         <p:blipFill rotWithShape="1">
           <a:blip r:embed="rId3"/>
-          <a:srcRect l="28171" t="42868" r="44385" b="41329"/>
+          <a:srcRect l="11786" t="23479" r="60714" b="33113"/>
           <a:stretch/>
         </p:blipFill>
         <p:spPr>
           <a:xfrm>
-            <a:off x="6221895" y="4890184"/>
-            <a:ext cx="4910355" cy="1589649"/>
+            <a:off x="6604000" y="2144485"/>
+            <a:ext cx="4325258" cy="3838432"/>
           </a:xfrm>
           <a:prstGeom prst="rect">
             <a:avLst/>
@@ -5133,7 +5788,7 @@
     </p:spTree>
     <p:extLst>
       <p:ext uri="{BB962C8B-B14F-4D97-AF65-F5344CB8AC3E}">
-        <p14:creationId xmlns:p14="http://schemas.microsoft.com/office/powerpoint/2010/main" val="4072653066"/>
+        <p14:creationId xmlns:p14="http://schemas.microsoft.com/office/powerpoint/2010/main" val="107329901"/>
       </p:ext>
     </p:extLst>
   </p:cSld>
@@ -5165,7 +5820,7 @@
           <p:cNvPr id="2" name="Title 1">
             <a:extLst>
               <a:ext uri="{FF2B5EF4-FFF2-40B4-BE49-F238E27FC236}">
-                <a16:creationId xmlns:a16="http://schemas.microsoft.com/office/drawing/2014/main" id="{D59374F8-24A0-48BB-9E23-6C6B3251F766}"/>
+                <a16:creationId xmlns:a16="http://schemas.microsoft.com/office/drawing/2014/main" id="{61B169E6-17E2-45BA-B743-89916177A606}"/>
               </a:ext>
             </a:extLst>
           </p:cNvPr>
@@ -5176,44 +5831,86 @@
             <p:ph type="title"/>
           </p:nvPr>
         </p:nvSpPr>
-        <p:spPr/>
+        <p:spPr>
+          <a:xfrm>
+            <a:off x="1097280" y="286604"/>
+            <a:ext cx="10058400" cy="1208368"/>
+          </a:xfrm>
+        </p:spPr>
         <p:txBody>
           <a:bodyPr/>
           <a:lstStyle/>
           <a:p>
-            <a:endParaRPr lang="en-US" dirty="0"/>
-          </a:p>
-        </p:txBody>
-      </p:sp>
-      <p:sp>
-        <p:nvSpPr>
-          <p:cNvPr id="3" name="Content Placeholder 2">
-            <a:extLst>
-              <a:ext uri="{FF2B5EF4-FFF2-40B4-BE49-F238E27FC236}">
-                <a16:creationId xmlns:a16="http://schemas.microsoft.com/office/drawing/2014/main" id="{9B75E1BD-C469-47E2-A358-F18B09CC2C29}"/>
-              </a:ext>
-            </a:extLst>
-          </p:cNvPr>
-          <p:cNvSpPr>
-            <a:spLocks noGrp="1"/>
-          </p:cNvSpPr>
-          <p:nvPr>
-            <p:ph idx="1"/>
-          </p:nvPr>
-        </p:nvSpPr>
-        <p:spPr/>
-        <p:txBody>
-          <a:bodyPr/>
-          <a:lstStyle/>
-          <a:p>
-            <a:endParaRPr lang="en-US"/>
-          </a:p>
-        </p:txBody>
-      </p:sp>
+            <a:pPr algn="ctr"/>
+            <a:r>
+              <a:rPr lang="en-US" dirty="0"/>
+              <a:t>Region</a:t>
+            </a:r>
+          </a:p>
+        </p:txBody>
+      </p:sp>
+      <p:pic>
+        <p:nvPicPr>
+          <p:cNvPr id="5" name="Picture 4">
+            <a:extLst>
+              <a:ext uri="{FF2B5EF4-FFF2-40B4-BE49-F238E27FC236}">
+                <a16:creationId xmlns:a16="http://schemas.microsoft.com/office/drawing/2014/main" id="{1FD0225B-9061-4492-9A3D-C58DBF2549FA}"/>
+              </a:ext>
+            </a:extLst>
+          </p:cNvPr>
+          <p:cNvPicPr>
+            <a:picLocks noChangeAspect="1"/>
+          </p:cNvPicPr>
+          <p:nvPr/>
+        </p:nvPicPr>
+        <p:blipFill rotWithShape="1">
+          <a:blip r:embed="rId2"/>
+          <a:srcRect l="10952" t="14586" r="57976" b="41160"/>
+          <a:stretch/>
+        </p:blipFill>
+        <p:spPr>
+          <a:xfrm>
+            <a:off x="1097280" y="2087744"/>
+            <a:ext cx="4534263" cy="3630885"/>
+          </a:xfrm>
+          <a:prstGeom prst="rect">
+            <a:avLst/>
+          </a:prstGeom>
+        </p:spPr>
+      </p:pic>
+      <p:pic>
+        <p:nvPicPr>
+          <p:cNvPr id="7" name="Picture 6">
+            <a:extLst>
+              <a:ext uri="{FF2B5EF4-FFF2-40B4-BE49-F238E27FC236}">
+                <a16:creationId xmlns:a16="http://schemas.microsoft.com/office/drawing/2014/main" id="{172458AB-B22F-4391-AB5E-1117C347F7EE}"/>
+              </a:ext>
+            </a:extLst>
+          </p:cNvPr>
+          <p:cNvPicPr>
+            <a:picLocks noChangeAspect="1"/>
+          </p:cNvPicPr>
+          <p:nvPr/>
+        </p:nvPicPr>
+        <p:blipFill rotWithShape="1">
+          <a:blip r:embed="rId3"/>
+          <a:srcRect l="10357" t="21786" r="58214" b="32901"/>
+          <a:stretch/>
+        </p:blipFill>
+        <p:spPr>
+          <a:xfrm>
+            <a:off x="6560458" y="2177144"/>
+            <a:ext cx="4534263" cy="3675501"/>
+          </a:xfrm>
+          <a:prstGeom prst="rect">
+            <a:avLst/>
+          </a:prstGeom>
+        </p:spPr>
+      </p:pic>
     </p:spTree>
     <p:extLst>
       <p:ext uri="{BB962C8B-B14F-4D97-AF65-F5344CB8AC3E}">
-        <p14:creationId xmlns:p14="http://schemas.microsoft.com/office/powerpoint/2010/main" val="2810980043"/>
+        <p14:creationId xmlns:p14="http://schemas.microsoft.com/office/powerpoint/2010/main" val="2825863609"/>
       </p:ext>
     </p:extLst>
   </p:cSld>
@@ -5245,7 +5942,7 @@
           <p:cNvPr id="2" name="Title 1">
             <a:extLst>
               <a:ext uri="{FF2B5EF4-FFF2-40B4-BE49-F238E27FC236}">
-                <a16:creationId xmlns:a16="http://schemas.microsoft.com/office/drawing/2014/main" id="{8060D4E2-DE7C-4BD1-B298-2425BF3D78CB}"/>
+                <a16:creationId xmlns:a16="http://schemas.microsoft.com/office/drawing/2014/main" id="{3CDD60CE-A125-4EE4-8D6B-41021C83DC89}"/>
               </a:ext>
             </a:extLst>
           </p:cNvPr>
@@ -5258,51 +5955,85 @@
         </p:nvSpPr>
         <p:spPr>
           <a:xfrm>
-            <a:off x="1097280" y="485439"/>
-            <a:ext cx="10058400" cy="1006938"/>
-          </a:xfrm>
-        </p:spPr>
-        <p:txBody>
-          <a:bodyPr/>
-          <a:lstStyle/>
-          <a:p>
-            <a:pPr algn="ctr"/>
+            <a:off x="643466" y="786383"/>
+            <a:ext cx="3517567" cy="3454313"/>
+          </a:xfrm>
+        </p:spPr>
+        <p:txBody>
+          <a:bodyPr anchor="b">
+            <a:normAutofit/>
+          </a:bodyPr>
+          <a:lstStyle/>
+          <a:p>
             <a:r>
               <a:rPr lang="en-US" dirty="0"/>
-              <a:t>Work Cited</a:t>
-            </a:r>
-          </a:p>
-        </p:txBody>
-      </p:sp>
-      <p:sp>
-        <p:nvSpPr>
-          <p:cNvPr id="3" name="Content Placeholder 2">
-            <a:extLst>
-              <a:ext uri="{FF2B5EF4-FFF2-40B4-BE49-F238E27FC236}">
-                <a16:creationId xmlns:a16="http://schemas.microsoft.com/office/drawing/2014/main" id="{43D490D2-0A45-4C26-9055-672A52C449FA}"/>
-              </a:ext>
-            </a:extLst>
-          </p:cNvPr>
-          <p:cNvSpPr>
-            <a:spLocks noGrp="1"/>
-          </p:cNvSpPr>
-          <p:nvPr>
-            <p:ph idx="1"/>
-          </p:nvPr>
-        </p:nvSpPr>
-        <p:spPr/>
-        <p:txBody>
-          <a:bodyPr/>
-          <a:lstStyle/>
-          <a:p>
-            <a:endParaRPr lang="en-US"/>
-          </a:p>
-        </p:txBody>
-      </p:sp>
+              <a:t>3. Which vaccine was distributed the most?</a:t>
+            </a:r>
+          </a:p>
+        </p:txBody>
+      </p:sp>
+      <p:pic>
+        <p:nvPicPr>
+          <p:cNvPr id="6" name="Picture 5">
+            <a:extLst>
+              <a:ext uri="{FF2B5EF4-FFF2-40B4-BE49-F238E27FC236}">
+                <a16:creationId xmlns:a16="http://schemas.microsoft.com/office/drawing/2014/main" id="{6ED65CB7-0B73-4A5D-BB0A-68DE4EBF8742}"/>
+              </a:ext>
+            </a:extLst>
+          </p:cNvPr>
+          <p:cNvPicPr>
+            <a:picLocks noChangeAspect="1"/>
+          </p:cNvPicPr>
+          <p:nvPr/>
+        </p:nvPicPr>
+        <p:blipFill rotWithShape="1">
+          <a:blip r:embed="rId2"/>
+          <a:srcRect l="25956" t="26040" r="45192" b="33325"/>
+          <a:stretch/>
+        </p:blipFill>
+        <p:spPr>
+          <a:xfrm>
+            <a:off x="5668100" y="189696"/>
+            <a:ext cx="5471270" cy="4332451"/>
+          </a:xfrm>
+          <a:prstGeom prst="rect">
+            <a:avLst/>
+          </a:prstGeom>
+        </p:spPr>
+      </p:pic>
+      <p:pic>
+        <p:nvPicPr>
+          <p:cNvPr id="8" name="Picture 7">
+            <a:extLst>
+              <a:ext uri="{FF2B5EF4-FFF2-40B4-BE49-F238E27FC236}">
+                <a16:creationId xmlns:a16="http://schemas.microsoft.com/office/drawing/2014/main" id="{0E3B63DE-4754-4086-BA8B-2AD8BCEA5089}"/>
+              </a:ext>
+            </a:extLst>
+          </p:cNvPr>
+          <p:cNvPicPr>
+            <a:picLocks noChangeAspect="1"/>
+          </p:cNvPicPr>
+          <p:nvPr/>
+        </p:nvPicPr>
+        <p:blipFill rotWithShape="1">
+          <a:blip r:embed="rId3"/>
+          <a:srcRect l="28144" t="43895" r="54424" b="40302"/>
+          <a:stretch/>
+        </p:blipFill>
+        <p:spPr>
+          <a:xfrm>
+            <a:off x="6873302" y="5108316"/>
+            <a:ext cx="3060866" cy="1559988"/>
+          </a:xfrm>
+          <a:prstGeom prst="rect">
+            <a:avLst/>
+          </a:prstGeom>
+        </p:spPr>
+      </p:pic>
     </p:spTree>
     <p:extLst>
       <p:ext uri="{BB962C8B-B14F-4D97-AF65-F5344CB8AC3E}">
-        <p14:creationId xmlns:p14="http://schemas.microsoft.com/office/powerpoint/2010/main" val="548794418"/>
+        <p14:creationId xmlns:p14="http://schemas.microsoft.com/office/powerpoint/2010/main" val="2002337304"/>
       </p:ext>
     </p:extLst>
   </p:cSld>
